--- a/SOUTENANCE/I HEAR I SAY.pptx
+++ b/SOUTENANCE/I HEAR I SAY.pptx
@@ -1,6 +1,6 @@
 
 <file path=ppt/presentation.xml><?xml version="1.0" encoding="utf-8"?>
-<p:presentation xmlns:a="http://schemas.openxmlformats.org/drawingml/2006/main" xmlns:r="http://schemas.openxmlformats.org/officeDocument/2006/relationships" xmlns:p="http://schemas.openxmlformats.org/presentationml/2006/main" autoCompressPictures="0">
+<p:presentation xmlns:a="http://schemas.openxmlformats.org/drawingml/2006/main" xmlns:r="http://schemas.openxmlformats.org/officeDocument/2006/relationships" xmlns:p="http://schemas.openxmlformats.org/presentationml/2006/main" showSpecialPlsOnTitleSld="0" autoCompressPictures="0">
   <p:sldMasterIdLst>
     <p:sldMasterId id="2147483648" r:id="rId1"/>
   </p:sldMasterIdLst>
@@ -9,8 +9,8 @@
   </p:notesMasterIdLst>
   <p:sldIdLst>
     <p:sldId id="256" r:id="rId2"/>
-    <p:sldId id="258" r:id="rId3"/>
-    <p:sldId id="257" r:id="rId4"/>
+    <p:sldId id="257" r:id="rId3"/>
+    <p:sldId id="258" r:id="rId4"/>
     <p:sldId id="266" r:id="rId5"/>
     <p:sldId id="264" r:id="rId6"/>
     <p:sldId id="263" r:id="rId7"/>
@@ -539,7 +539,91 @@
           <a:p>
             <a:fld id="{55C26200-88C1-4553-AAFD-7D9FCEE8BD26}" type="slidenum">
               <a:rPr lang="fr-FR" smtClean="0"/>
-              <a:t>2</a:t>
+              <a:t>1</a:t>
+            </a:fld>
+            <a:endParaRPr lang="fr-FR"/>
+          </a:p>
+        </p:txBody>
+      </p:sp>
+    </p:spTree>
+    <p:extLst>
+      <p:ext uri="{BB962C8B-B14F-4D97-AF65-F5344CB8AC3E}">
+        <p14:creationId xmlns:p14="http://schemas.microsoft.com/office/powerpoint/2010/main" val="1859331129"/>
+      </p:ext>
+    </p:extLst>
+  </p:cSld>
+  <p:clrMapOvr>
+    <a:masterClrMapping/>
+  </p:clrMapOvr>
+</p:notes>
+</file>
+
+<file path=ppt/notesSlides/notesSlide2.xml><?xml version="1.0" encoding="utf-8"?>
+<p:notes xmlns:a="http://schemas.openxmlformats.org/drawingml/2006/main" xmlns:r="http://schemas.openxmlformats.org/officeDocument/2006/relationships" xmlns:p="http://schemas.openxmlformats.org/presentationml/2006/main">
+  <p:cSld>
+    <p:spTree>
+      <p:nvGrpSpPr>
+        <p:cNvPr id="1" name=""/>
+        <p:cNvGrpSpPr/>
+        <p:nvPr/>
+      </p:nvGrpSpPr>
+      <p:grpSpPr>
+        <a:xfrm>
+          <a:off x="0" y="0"/>
+          <a:ext cx="0" cy="0"/>
+          <a:chOff x="0" y="0"/>
+          <a:chExt cx="0" cy="0"/>
+        </a:xfrm>
+      </p:grpSpPr>
+      <p:sp>
+        <p:nvSpPr>
+          <p:cNvPr id="2" name="Espace réservé de l'image des diapositives 1"/>
+          <p:cNvSpPr>
+            <a:spLocks noGrp="1" noRot="1" noChangeAspect="1"/>
+          </p:cNvSpPr>
+          <p:nvPr>
+            <p:ph type="sldImg"/>
+          </p:nvPr>
+        </p:nvSpPr>
+        <p:spPr/>
+      </p:sp>
+      <p:sp>
+        <p:nvSpPr>
+          <p:cNvPr id="3" name="Espace réservé des commentaires 2"/>
+          <p:cNvSpPr>
+            <a:spLocks noGrp="1"/>
+          </p:cNvSpPr>
+          <p:nvPr>
+            <p:ph type="body" idx="1"/>
+          </p:nvPr>
+        </p:nvSpPr>
+        <p:spPr/>
+        <p:txBody>
+          <a:bodyPr/>
+          <a:lstStyle/>
+          <a:p>
+            <a:endParaRPr lang="fr-FR"/>
+          </a:p>
+        </p:txBody>
+      </p:sp>
+      <p:sp>
+        <p:nvSpPr>
+          <p:cNvPr id="4" name="Espace réservé du numéro de diapositive 3"/>
+          <p:cNvSpPr>
+            <a:spLocks noGrp="1"/>
+          </p:cNvSpPr>
+          <p:nvPr>
+            <p:ph type="sldNum" sz="quarter" idx="10"/>
+          </p:nvPr>
+        </p:nvSpPr>
+        <p:spPr/>
+        <p:txBody>
+          <a:bodyPr/>
+          <a:lstStyle/>
+          <a:p>
+            <a:fld id="{55C26200-88C1-4553-AAFD-7D9FCEE8BD26}" type="slidenum">
+              <a:rPr lang="fr-FR" smtClean="0"/>
+              <a:t>3</a:t>
             </a:fld>
             <a:endParaRPr lang="fr-FR"/>
           </a:p>
@@ -549,6 +633,90 @@
     <p:extLst>
       <p:ext uri="{BB962C8B-B14F-4D97-AF65-F5344CB8AC3E}">
         <p14:creationId xmlns:p14="http://schemas.microsoft.com/office/powerpoint/2010/main" val="1368121148"/>
+      </p:ext>
+    </p:extLst>
+  </p:cSld>
+  <p:clrMapOvr>
+    <a:masterClrMapping/>
+  </p:clrMapOvr>
+</p:notes>
+</file>
+
+<file path=ppt/notesSlides/notesSlide3.xml><?xml version="1.0" encoding="utf-8"?>
+<p:notes xmlns:a="http://schemas.openxmlformats.org/drawingml/2006/main" xmlns:r="http://schemas.openxmlformats.org/officeDocument/2006/relationships" xmlns:p="http://schemas.openxmlformats.org/presentationml/2006/main">
+  <p:cSld>
+    <p:spTree>
+      <p:nvGrpSpPr>
+        <p:cNvPr id="1" name=""/>
+        <p:cNvGrpSpPr/>
+        <p:nvPr/>
+      </p:nvGrpSpPr>
+      <p:grpSpPr>
+        <a:xfrm>
+          <a:off x="0" y="0"/>
+          <a:ext cx="0" cy="0"/>
+          <a:chOff x="0" y="0"/>
+          <a:chExt cx="0" cy="0"/>
+        </a:xfrm>
+      </p:grpSpPr>
+      <p:sp>
+        <p:nvSpPr>
+          <p:cNvPr id="2" name="Espace réservé de l'image des diapositives 1"/>
+          <p:cNvSpPr>
+            <a:spLocks noGrp="1" noRot="1" noChangeAspect="1"/>
+          </p:cNvSpPr>
+          <p:nvPr>
+            <p:ph type="sldImg"/>
+          </p:nvPr>
+        </p:nvSpPr>
+        <p:spPr/>
+      </p:sp>
+      <p:sp>
+        <p:nvSpPr>
+          <p:cNvPr id="3" name="Espace réservé des commentaires 2"/>
+          <p:cNvSpPr>
+            <a:spLocks noGrp="1"/>
+          </p:cNvSpPr>
+          <p:nvPr>
+            <p:ph type="body" idx="1"/>
+          </p:nvPr>
+        </p:nvSpPr>
+        <p:spPr/>
+        <p:txBody>
+          <a:bodyPr/>
+          <a:lstStyle/>
+          <a:p>
+            <a:endParaRPr lang="fr-FR"/>
+          </a:p>
+        </p:txBody>
+      </p:sp>
+      <p:sp>
+        <p:nvSpPr>
+          <p:cNvPr id="4" name="Espace réservé du numéro de diapositive 3"/>
+          <p:cNvSpPr>
+            <a:spLocks noGrp="1"/>
+          </p:cNvSpPr>
+          <p:nvPr>
+            <p:ph type="sldNum" sz="quarter" idx="10"/>
+          </p:nvPr>
+        </p:nvSpPr>
+        <p:spPr/>
+        <p:txBody>
+          <a:bodyPr/>
+          <a:lstStyle/>
+          <a:p>
+            <a:fld id="{55C26200-88C1-4553-AAFD-7D9FCEE8BD26}" type="slidenum">
+              <a:rPr lang="fr-FR" smtClean="0"/>
+              <a:t>4</a:t>
+            </a:fld>
+            <a:endParaRPr lang="fr-FR"/>
+          </a:p>
+        </p:txBody>
+      </p:sp>
+    </p:spTree>
+    <p:extLst>
+      <p:ext uri="{BB962C8B-B14F-4D97-AF65-F5344CB8AC3E}">
+        <p14:creationId xmlns:p14="http://schemas.microsoft.com/office/powerpoint/2010/main" val="3182119297"/>
       </p:ext>
     </p:extLst>
   </p:cSld>
@@ -744,7 +912,7 @@
           <a:bodyPr/>
           <a:lstStyle/>
           <a:p>
-            <a:fld id="{A36B00EA-70F0-419C-9314-72C96F2D6742}" type="datetime1">
+            <a:fld id="{CF70076B-3AEE-4CCF-8309-4A51262BD39B}" type="datetime1">
               <a:rPr lang="en-US" smtClean="0"/>
               <a:t>11/29/2016</a:t>
             </a:fld>
@@ -767,6 +935,10 @@
           <a:bodyPr/>
           <a:lstStyle/>
           <a:p>
+            <a:r>
+              <a:rPr lang="en-US" smtClean="0"/>
+              <a:t>Yoann Gathignol - Titouan Bouete-Giraud - Guillaume Robert - 1A</a:t>
+            </a:r>
             <a:endParaRPr lang="en-US" dirty="0"/>
           </a:p>
         </p:txBody>
@@ -1078,7 +1250,7 @@
           <a:bodyPr/>
           <a:lstStyle/>
           <a:p>
-            <a:fld id="{4D2CC93E-0D16-4B72-B7AA-1CC62DA185AA}" type="datetime1">
+            <a:fld id="{965EF287-9D13-4BBB-AD64-90A6F68DC437}" type="datetime1">
               <a:rPr lang="en-US" smtClean="0"/>
               <a:t>11/29/2016</a:t>
             </a:fld>
@@ -1101,6 +1273,10 @@
           <a:bodyPr/>
           <a:lstStyle/>
           <a:p>
+            <a:r>
+              <a:rPr lang="en-US" smtClean="0"/>
+              <a:t>Yoann Gathignol - Titouan Bouete-Giraud - Guillaume Robert - 1A</a:t>
+            </a:r>
             <a:endParaRPr lang="en-US" dirty="0"/>
           </a:p>
         </p:txBody>
@@ -1475,7 +1651,7 @@
           <a:bodyPr/>
           <a:lstStyle/>
           <a:p>
-            <a:fld id="{3A41A6EA-F6CC-46BB-B8FD-DC5F62567732}" type="datetime1">
+            <a:fld id="{4E02ACAF-6E0A-4BFA-A998-C23501319CEB}" type="datetime1">
               <a:rPr lang="en-US" smtClean="0"/>
               <a:t>11/29/2016</a:t>
             </a:fld>
@@ -1498,6 +1674,10 @@
           <a:bodyPr/>
           <a:lstStyle/>
           <a:p>
+            <a:r>
+              <a:rPr lang="en-US" smtClean="0"/>
+              <a:t>Yoann Gathignol - Titouan Bouete-Giraud - Guillaume Robert - 1A</a:t>
+            </a:r>
             <a:endParaRPr lang="en-US" dirty="0"/>
           </a:p>
         </p:txBody>
@@ -1807,7 +1987,7 @@
           <a:bodyPr/>
           <a:lstStyle/>
           <a:p>
-            <a:fld id="{E9E040D5-BA37-42EA-823F-0C36F593D1CF}" type="datetime1">
+            <a:fld id="{1BB394E6-5E1F-487A-884E-33CB76F0F981}" type="datetime1">
               <a:rPr lang="en-US" smtClean="0"/>
               <a:t>11/29/2016</a:t>
             </a:fld>
@@ -1830,6 +2010,10 @@
           <a:bodyPr/>
           <a:lstStyle/>
           <a:p>
+            <a:r>
+              <a:rPr lang="en-US" smtClean="0"/>
+              <a:t>Yoann Gathignol - Titouan Bouete-Giraud - Guillaume Robert - 1A</a:t>
+            </a:r>
             <a:endParaRPr lang="en-US" dirty="0"/>
           </a:p>
         </p:txBody>
@@ -2123,7 +2307,7 @@
           <a:bodyPr/>
           <a:lstStyle/>
           <a:p>
-            <a:fld id="{48C59A27-99D6-49D6-89E0-A23F6055ADA2}" type="datetime1">
+            <a:fld id="{9982F500-98E8-4354-BA0E-9DEB265BABD5}" type="datetime1">
               <a:rPr lang="en-US" smtClean="0"/>
               <a:t>11/29/2016</a:t>
             </a:fld>
@@ -2146,6 +2330,10 @@
           <a:bodyPr/>
           <a:lstStyle/>
           <a:p>
+            <a:r>
+              <a:rPr lang="en-US" smtClean="0"/>
+              <a:t>Yoann Gathignol - Titouan Bouete-Giraud - Guillaume Robert - 1A</a:t>
+            </a:r>
             <a:endParaRPr lang="en-US" dirty="0"/>
           </a:p>
         </p:txBody>
@@ -2515,7 +2703,7 @@
           <a:bodyPr/>
           <a:lstStyle/>
           <a:p>
-            <a:fld id="{27739E11-1569-427C-8024-56DFEC14E389}" type="datetime1">
+            <a:fld id="{03D9F833-05BD-4816-A1C4-77294EF43A85}" type="datetime1">
               <a:rPr lang="en-US" smtClean="0"/>
               <a:t>11/29/2016</a:t>
             </a:fld>
@@ -2538,6 +2726,10 @@
           <a:bodyPr/>
           <a:lstStyle/>
           <a:p>
+            <a:r>
+              <a:rPr lang="en-US" smtClean="0"/>
+              <a:t>Yoann Gathignol - Titouan Bouete-Giraud - Guillaume Robert - 1A</a:t>
+            </a:r>
             <a:endParaRPr lang="en-US" dirty="0"/>
           </a:p>
         </p:txBody>
@@ -2768,7 +2960,7 @@
           <a:bodyPr/>
           <a:lstStyle/>
           <a:p>
-            <a:fld id="{29F02BE5-D89D-41D0-9629-9C91EDAA92CC}" type="datetime1">
+            <a:fld id="{03691DF6-0A71-40E1-83D6-78326EF392E3}" type="datetime1">
               <a:rPr lang="en-US" smtClean="0"/>
               <a:t>11/29/2016</a:t>
             </a:fld>
@@ -2791,6 +2983,10 @@
           <a:bodyPr/>
           <a:lstStyle/>
           <a:p>
+            <a:r>
+              <a:rPr lang="en-US" smtClean="0"/>
+              <a:t>Yoann Gathignol - Titouan Bouete-Giraud - Guillaume Robert - 1A</a:t>
+            </a:r>
             <a:endParaRPr lang="en-US" dirty="0"/>
           </a:p>
         </p:txBody>
@@ -3026,7 +3222,7 @@
           <a:bodyPr/>
           <a:lstStyle/>
           <a:p>
-            <a:fld id="{B5424962-2503-4727-A71A-01DE0D39A4ED}" type="datetime1">
+            <a:fld id="{3A680F56-72C5-4249-9DC2-97F4382C2589}" type="datetime1">
               <a:rPr lang="en-US" smtClean="0"/>
               <a:t>11/29/2016</a:t>
             </a:fld>
@@ -3049,6 +3245,10 @@
           <a:bodyPr/>
           <a:lstStyle/>
           <a:p>
+            <a:r>
+              <a:rPr lang="en-US" smtClean="0"/>
+              <a:t>Yoann Gathignol - Titouan Bouete-Giraud - Guillaume Robert - 1A</a:t>
+            </a:r>
             <a:endParaRPr lang="en-US" dirty="0"/>
           </a:p>
         </p:txBody>
@@ -3284,7 +3484,7 @@
           <a:bodyPr/>
           <a:lstStyle/>
           <a:p>
-            <a:fld id="{6FD0B27B-9C77-4A1E-A1B5-845B88F97620}" type="datetime1">
+            <a:fld id="{C28576F9-E6CB-4647-93A7-39EC966FD12A}" type="datetime1">
               <a:rPr lang="en-US" smtClean="0"/>
               <a:t>11/29/2016</a:t>
             </a:fld>
@@ -3307,6 +3507,10 @@
           <a:bodyPr/>
           <a:lstStyle/>
           <a:p>
+            <a:r>
+              <a:rPr lang="en-US" smtClean="0"/>
+              <a:t>Yoann Gathignol - Titouan Bouete-Giraud - Guillaume Robert - 1A</a:t>
+            </a:r>
             <a:endParaRPr lang="en-US" dirty="0"/>
           </a:p>
         </p:txBody>
@@ -3609,7 +3813,7 @@
           <a:bodyPr/>
           <a:lstStyle/>
           <a:p>
-            <a:fld id="{1E7D6B0B-A846-4BA5-9A5B-A2BF637AAE90}" type="datetime1">
+            <a:fld id="{5BD41F3B-EDCE-432C-AB15-05A686C5B86E}" type="datetime1">
               <a:rPr lang="en-US" smtClean="0"/>
               <a:t>11/29/2016</a:t>
             </a:fld>
@@ -3632,6 +3836,10 @@
           <a:bodyPr/>
           <a:lstStyle/>
           <a:p>
+            <a:r>
+              <a:rPr lang="en-US" smtClean="0"/>
+              <a:t>Yoann Gathignol - Titouan Bouete-Giraud - Guillaume Robert - 1A</a:t>
+            </a:r>
             <a:endParaRPr lang="en-US" dirty="0"/>
           </a:p>
         </p:txBody>
@@ -3928,7 +4136,7 @@
           <a:bodyPr/>
           <a:lstStyle/>
           <a:p>
-            <a:fld id="{60FEAA46-DC0C-4BEC-81E2-71321F4DB44F}" type="datetime1">
+            <a:fld id="{E8C3DD7C-FC13-4A46-B8AE-589AA1023A5C}" type="datetime1">
               <a:rPr lang="en-US" smtClean="0"/>
               <a:t>11/29/2016</a:t>
             </a:fld>
@@ -3951,6 +4159,10 @@
           <a:bodyPr/>
           <a:lstStyle/>
           <a:p>
+            <a:r>
+              <a:rPr lang="en-US" smtClean="0"/>
+              <a:t>Yoann Gathignol - Titouan Bouete-Giraud - Guillaume Robert - 1A</a:t>
+            </a:r>
             <a:endParaRPr lang="en-US" dirty="0"/>
           </a:p>
         </p:txBody>
@@ -4381,7 +4593,7 @@
           <a:bodyPr/>
           <a:lstStyle/>
           <a:p>
-            <a:fld id="{00C3E709-1ECB-40DB-89EB-7AEC4AE75E70}" type="datetime1">
+            <a:fld id="{2A9BAFA9-9F65-4436-A9B2-8AB4BA37DFB1}" type="datetime1">
               <a:rPr lang="en-US" smtClean="0"/>
               <a:t>11/29/2016</a:t>
             </a:fld>
@@ -4404,6 +4616,10 @@
           <a:bodyPr/>
           <a:lstStyle/>
           <a:p>
+            <a:r>
+              <a:rPr lang="en-US" smtClean="0"/>
+              <a:t>Yoann Gathignol - Titouan Bouete-Giraud - Guillaume Robert - 1A</a:t>
+            </a:r>
             <a:endParaRPr lang="en-US" dirty="0"/>
           </a:p>
         </p:txBody>
@@ -4582,7 +4798,7 @@
           <a:bodyPr/>
           <a:lstStyle/>
           <a:p>
-            <a:fld id="{89341B9B-8124-47F3-B0B7-F66A8161F5DE}" type="datetime1">
+            <a:fld id="{75C8F39A-F13F-4478-875E-76CEDB19EC82}" type="datetime1">
               <a:rPr lang="en-US" smtClean="0"/>
               <a:t>11/29/2016</a:t>
             </a:fld>
@@ -4605,6 +4821,10 @@
           <a:bodyPr/>
           <a:lstStyle/>
           <a:p>
+            <a:r>
+              <a:rPr lang="en-US" smtClean="0"/>
+              <a:t>Yoann Gathignol - Titouan Bouete-Giraud - Guillaume Robert - 1A</a:t>
+            </a:r>
             <a:endParaRPr lang="en-US" dirty="0"/>
           </a:p>
         </p:txBody>
@@ -4755,7 +4975,7 @@
           <a:bodyPr/>
           <a:lstStyle/>
           <a:p>
-            <a:fld id="{B1A31EED-0090-433B-83A8-BD4DABECDAFF}" type="datetime1">
+            <a:fld id="{A656D7ED-CCB1-4ADF-9D3E-AE98B8393664}" type="datetime1">
               <a:rPr lang="en-US" smtClean="0"/>
               <a:t>11/29/2016</a:t>
             </a:fld>
@@ -4778,6 +4998,10 @@
           <a:bodyPr/>
           <a:lstStyle/>
           <a:p>
+            <a:r>
+              <a:rPr lang="en-US" smtClean="0"/>
+              <a:t>Yoann Gathignol - Titouan Bouete-Giraud - Guillaume Robert - 1A</a:t>
+            </a:r>
             <a:endParaRPr lang="en-US" dirty="0"/>
           </a:p>
         </p:txBody>
@@ -5084,7 +5308,7 @@
           <a:bodyPr/>
           <a:lstStyle/>
           <a:p>
-            <a:fld id="{1C110051-CA9F-40E5-A036-3B785FBDB0EB}" type="datetime1">
+            <a:fld id="{52AC97BE-D090-4A56-ACCF-525ADF60220C}" type="datetime1">
               <a:rPr lang="en-US" smtClean="0"/>
               <a:t>11/29/2016</a:t>
             </a:fld>
@@ -5107,6 +5331,10 @@
           <a:bodyPr/>
           <a:lstStyle/>
           <a:p>
+            <a:r>
+              <a:rPr lang="en-US" smtClean="0"/>
+              <a:t>Yoann Gathignol - Titouan Bouete-Giraud - Guillaume Robert - 1A</a:t>
+            </a:r>
             <a:endParaRPr lang="en-US" dirty="0"/>
           </a:p>
         </p:txBody>
@@ -5425,7 +5653,7 @@
           <a:bodyPr/>
           <a:lstStyle/>
           <a:p>
-            <a:fld id="{0FDAC9AF-4E6A-484A-8039-ADEC26217F11}" type="datetime1">
+            <a:fld id="{077D7DE3-277E-469C-968A-E5587F8A2085}" type="datetime1">
               <a:rPr lang="en-US" smtClean="0"/>
               <a:t>11/29/2016</a:t>
             </a:fld>
@@ -5448,6 +5676,10 @@
           <a:bodyPr/>
           <a:lstStyle/>
           <a:p>
+            <a:r>
+              <a:rPr lang="en-US" smtClean="0"/>
+              <a:t>Yoann Gathignol - Titouan Bouete-Giraud - Guillaume Robert - 1A</a:t>
+            </a:r>
             <a:endParaRPr lang="en-US" dirty="0"/>
           </a:p>
         </p:txBody>
@@ -7538,7 +7770,7 @@
             </a:lvl1pPr>
           </a:lstStyle>
           <a:p>
-            <a:fld id="{96262902-A8E0-4F89-A115-2DEEC16FF348}" type="datetime1">
+            <a:fld id="{4D778CF9-6505-4D68-8ADE-34012231EA87}" type="datetime1">
               <a:rPr lang="en-US" smtClean="0"/>
               <a:t>11/29/2016</a:t>
             </a:fld>
@@ -7579,6 +7811,10 @@
             </a:lvl1pPr>
           </a:lstStyle>
           <a:p>
+            <a:r>
+              <a:rPr lang="en-US" smtClean="0"/>
+              <a:t>Yoann Gathignol - Titouan Bouete-Giraud - Guillaume Robert - 1A</a:t>
+            </a:r>
             <a:endParaRPr lang="en-US" dirty="0"/>
           </a:p>
         </p:txBody>
@@ -7644,7 +7880,7 @@
     <p:sldLayoutId id="2147483658" r:id="rId15"/>
     <p:sldLayoutId id="2147483659" r:id="rId16"/>
   </p:sldLayoutIdLst>
-  <p:hf hdr="0" ftr="0" dt="0"/>
+  <p:hf hdr="0" dt="0"/>
   <p:txStyles>
     <p:titleStyle>
       <a:lvl1pPr algn="l" defTabSz="457200" rtl="0" eaLnBrk="1" latinLnBrk="0" hangingPunct="1">
@@ -8100,7 +8336,11 @@
           <a:p>
             <a:r>
               <a:rPr lang="fr-FR" dirty="0" smtClean="0"/>
-              <a:t>PTUT 2016 </a:t>
+              <a:t>PTUT </a:t>
+            </a:r>
+            <a:r>
+              <a:rPr lang="fr-FR" dirty="0" smtClean="0"/>
+              <a:t>2016 </a:t>
             </a:r>
           </a:p>
           <a:p>
@@ -8145,7 +8385,7 @@
           <p:nvPr/>
         </p:nvPicPr>
         <p:blipFill>
-          <a:blip r:embed="rId2">
+          <a:blip r:embed="rId3">
             <a:extLst>
               <a:ext uri="{28A0092B-C50C-407E-A947-70E740481C1C}">
                 <a14:useLocalDpi xmlns:a14="http://schemas.microsoft.com/office/drawing/2010/main" val="0"/>
@@ -8166,30 +8406,6 @@
           </a:prstGeom>
         </p:spPr>
       </p:pic>
-      <p:sp>
-        <p:nvSpPr>
-          <p:cNvPr id="5" name="Espace réservé du numéro de diapositive 4"/>
-          <p:cNvSpPr>
-            <a:spLocks noGrp="1"/>
-          </p:cNvSpPr>
-          <p:nvPr>
-            <p:ph type="sldNum" sz="quarter" idx="12"/>
-          </p:nvPr>
-        </p:nvSpPr>
-        <p:spPr/>
-        <p:txBody>
-          <a:bodyPr/>
-          <a:lstStyle/>
-          <a:p>
-            <a:fld id="{D57F1E4F-1CFF-5643-939E-217C01CDF565}" type="slidenum">
-              <a:rPr lang="en-US" smtClean="0"/>
-              <a:pPr/>
-              <a:t>1</a:t>
-            </a:fld>
-            <a:endParaRPr lang="en-US" dirty="0"/>
-          </a:p>
-        </p:txBody>
-      </p:sp>
     </p:spTree>
     <p:extLst>
       <p:ext uri="{BB962C8B-B14F-4D97-AF65-F5344CB8AC3E}">
@@ -8318,6 +8534,29 @@
           </a:p>
         </p:txBody>
       </p:sp>
+      <p:sp>
+        <p:nvSpPr>
+          <p:cNvPr id="5" name="Espace réservé du pied de page 4"/>
+          <p:cNvSpPr>
+            <a:spLocks noGrp="1"/>
+          </p:cNvSpPr>
+          <p:nvPr>
+            <p:ph type="ftr" sz="quarter" idx="11"/>
+          </p:nvPr>
+        </p:nvSpPr>
+        <p:spPr/>
+        <p:txBody>
+          <a:bodyPr/>
+          <a:lstStyle/>
+          <a:p>
+            <a:r>
+              <a:rPr lang="en-US" smtClean="0"/>
+              <a:t>Yoann Gathignol - Titouan Bouete-Giraud - Guillaume Robert - 1A</a:t>
+            </a:r>
+            <a:endParaRPr lang="en-US" dirty="0"/>
+          </a:p>
+        </p:txBody>
+      </p:sp>
     </p:spTree>
     <p:extLst>
       <p:ext uri="{BB962C8B-B14F-4D97-AF65-F5344CB8AC3E}">
@@ -8365,77 +8604,39 @@
             <p:ph type="title"/>
           </p:nvPr>
         </p:nvSpPr>
-        <p:spPr/>
-        <p:txBody>
-          <a:bodyPr/>
-          <a:lstStyle/>
-          <a:p>
-            <a:r>
-              <a:rPr lang="fr-FR" dirty="0" smtClean="0"/>
-              <a:t>Sommaire</a:t>
-            </a:r>
-            <a:endParaRPr lang="fr-FR" dirty="0"/>
-          </a:p>
-        </p:txBody>
-      </p:sp>
-      <p:sp>
-        <p:nvSpPr>
-          <p:cNvPr id="3" name="Espace réservé du contenu 2"/>
-          <p:cNvSpPr>
-            <a:spLocks noGrp="1"/>
-          </p:cNvSpPr>
-          <p:nvPr>
-            <p:ph idx="1"/>
-          </p:nvPr>
-        </p:nvSpPr>
-        <p:spPr/>
-        <p:txBody>
-          <a:bodyPr/>
-          <a:lstStyle/>
-          <a:p>
-            <a:r>
-              <a:rPr lang="fr-FR" dirty="0" smtClean="0"/>
-              <a:t>Introduction</a:t>
-            </a:r>
-          </a:p>
-          <a:p>
-            <a:r>
-              <a:rPr lang="fr-FR" dirty="0" smtClean="0"/>
-              <a:t>Analyse de la demande du client</a:t>
-            </a:r>
-          </a:p>
-          <a:p>
-            <a:r>
-              <a:rPr lang="fr-FR" dirty="0" smtClean="0"/>
-              <a:t>Planning prévisionnel et Gantt</a:t>
-            </a:r>
-          </a:p>
-          <a:p>
-            <a:pPr lvl="1"/>
-            <a:r>
-              <a:rPr lang="fr-FR" dirty="0" smtClean="0"/>
-              <a:t>Sprints</a:t>
-            </a:r>
-          </a:p>
-          <a:p>
-            <a:pPr lvl="1"/>
-            <a:r>
-              <a:rPr lang="fr-FR" dirty="0" smtClean="0"/>
-              <a:t>Documentation</a:t>
-            </a:r>
-          </a:p>
-          <a:p>
-            <a:pPr lvl="1"/>
-            <a:r>
-              <a:rPr lang="fr-FR" dirty="0" smtClean="0"/>
-              <a:t>Contrat d’équipe</a:t>
-            </a:r>
-          </a:p>
-          <a:p>
-            <a:pPr lvl="1"/>
-            <a:endParaRPr lang="fr-FR" dirty="0" smtClean="0"/>
-          </a:p>
-          <a:p>
+        <p:spPr>
+          <a:xfrm>
+            <a:off x="1902045" y="1401777"/>
+            <a:ext cx="8911687" cy="1280890"/>
+          </a:xfrm>
+        </p:spPr>
+        <p:txBody>
+          <a:bodyPr>
+            <a:normAutofit fontScale="90000"/>
+          </a:bodyPr>
+          <a:lstStyle/>
+          <a:p>
+            <a:r>
+              <a:rPr lang="fr-FR" dirty="0"/>
+              <a:t>Vous voulez générer des grilles pour vos travaux ? Pourquoi ne pas utiliser notre application qui facilite cette tâche ?</a:t>
+            </a:r>
+            <a:br>
+              <a:rPr lang="fr-FR" dirty="0"/>
+            </a:br>
+            <a:r>
+              <a:rPr lang="fr-FR" dirty="0"/>
+              <a:t/>
+            </a:r>
+            <a:br>
+              <a:rPr lang="fr-FR" dirty="0"/>
+            </a:br>
+            <a:r>
+              <a:rPr lang="fr-FR" dirty="0"/>
+              <a:t/>
+            </a:r>
+            <a:br>
+              <a:rPr lang="fr-FR" dirty="0"/>
+            </a:br>
             <a:endParaRPr lang="fr-FR" dirty="0"/>
           </a:p>
         </p:txBody>
@@ -8464,10 +8665,62 @@
           </a:p>
         </p:txBody>
       </p:sp>
+      <p:pic>
+        <p:nvPicPr>
+          <p:cNvPr id="5" name="Image 4"/>
+          <p:cNvPicPr>
+            <a:picLocks noChangeAspect="1"/>
+          </p:cNvPicPr>
+          <p:nvPr/>
+        </p:nvPicPr>
+        <p:blipFill rotWithShape="1">
+          <a:blip r:embed="rId2">
+            <a:extLst>
+              <a:ext uri="{28A0092B-C50C-407E-A947-70E740481C1C}">
+                <a14:useLocalDpi xmlns:a14="http://schemas.microsoft.com/office/drawing/2010/main" val="0"/>
+              </a:ext>
+            </a:extLst>
+          </a:blip>
+          <a:srcRect r="44444" b="13297"/>
+          <a:stretch/>
+        </p:blipFill>
+        <p:spPr>
+          <a:xfrm>
+            <a:off x="8453120" y="3532637"/>
+            <a:ext cx="3576320" cy="3162803"/>
+          </a:xfrm>
+          <a:prstGeom prst="rect">
+            <a:avLst/>
+          </a:prstGeom>
+        </p:spPr>
+      </p:pic>
+      <p:sp>
+        <p:nvSpPr>
+          <p:cNvPr id="6" name="Espace réservé du pied de page 5"/>
+          <p:cNvSpPr>
+            <a:spLocks noGrp="1"/>
+          </p:cNvSpPr>
+          <p:nvPr>
+            <p:ph type="ftr" sz="quarter" idx="11"/>
+          </p:nvPr>
+        </p:nvSpPr>
+        <p:spPr/>
+        <p:txBody>
+          <a:bodyPr/>
+          <a:lstStyle/>
+          <a:p>
+            <a:r>
+              <a:rPr lang="en-US" smtClean="0"/>
+              <a:t>Yoann Gathignol - Titouan Bouete-Giraud - Guillaume Robert - 1A</a:t>
+            </a:r>
+            <a:endParaRPr lang="en-US" dirty="0"/>
+          </a:p>
+        </p:txBody>
+      </p:sp>
     </p:spTree>
     <p:extLst>
       <p:ext uri="{BB962C8B-B14F-4D97-AF65-F5344CB8AC3E}">
-        <p14:creationId xmlns:p14="http://schemas.microsoft.com/office/powerpoint/2010/main" val="1990947853"/>
+        <p14:creationId xmlns:p14="http://schemas.microsoft.com/office/powerpoint/2010/main" val="231390128"/>
       </p:ext>
     </p:extLst>
   </p:cSld>
@@ -8511,39 +8764,87 @@
             <p:ph type="title"/>
           </p:nvPr>
         </p:nvSpPr>
-        <p:spPr>
-          <a:xfrm>
-            <a:off x="1902045" y="1401777"/>
-            <a:ext cx="8911687" cy="1280890"/>
-          </a:xfrm>
-        </p:spPr>
-        <p:txBody>
-          <a:bodyPr>
-            <a:normAutofit fontScale="90000"/>
-          </a:bodyPr>
-          <a:lstStyle/>
-          <a:p>
-            <a:r>
-              <a:rPr lang="fr-FR" dirty="0"/>
-              <a:t>Vous voulez générer des grilles pour vos travaux ? Pourquoi ne pas utiliser notre application qui facilite cette tâche ?</a:t>
-            </a:r>
-            <a:br>
-              <a:rPr lang="fr-FR" dirty="0"/>
-            </a:br>
-            <a:r>
-              <a:rPr lang="fr-FR" dirty="0"/>
-              <a:t/>
-            </a:r>
-            <a:br>
-              <a:rPr lang="fr-FR" dirty="0"/>
-            </a:br>
-            <a:r>
-              <a:rPr lang="fr-FR" dirty="0"/>
-              <a:t/>
-            </a:r>
-            <a:br>
-              <a:rPr lang="fr-FR" dirty="0"/>
-            </a:br>
+        <p:spPr/>
+        <p:txBody>
+          <a:bodyPr/>
+          <a:lstStyle/>
+          <a:p>
+            <a:r>
+              <a:rPr lang="fr-FR" dirty="0" smtClean="0"/>
+              <a:t>Sommaire</a:t>
+            </a:r>
+            <a:endParaRPr lang="fr-FR" dirty="0"/>
+          </a:p>
+        </p:txBody>
+      </p:sp>
+      <p:sp>
+        <p:nvSpPr>
+          <p:cNvPr id="3" name="Espace réservé du contenu 2"/>
+          <p:cNvSpPr>
+            <a:spLocks noGrp="1"/>
+          </p:cNvSpPr>
+          <p:nvPr>
+            <p:ph idx="1"/>
+          </p:nvPr>
+        </p:nvSpPr>
+        <p:spPr/>
+        <p:txBody>
+          <a:bodyPr/>
+          <a:lstStyle/>
+          <a:p>
+            <a:r>
+              <a:rPr lang="fr-FR" dirty="0" smtClean="0"/>
+              <a:t>Problématique</a:t>
+            </a:r>
+            <a:endParaRPr lang="fr-FR" dirty="0" smtClean="0"/>
+          </a:p>
+          <a:p>
+            <a:r>
+              <a:rPr lang="fr-FR" dirty="0" smtClean="0"/>
+              <a:t>Analyse de la demande du client</a:t>
+            </a:r>
+          </a:p>
+          <a:p>
+            <a:r>
+              <a:rPr lang="fr-FR" dirty="0" smtClean="0"/>
+              <a:t>Planning prévisionnel et </a:t>
+            </a:r>
+            <a:endParaRPr lang="fr-FR" dirty="0" smtClean="0"/>
+          </a:p>
+          <a:p>
+            <a:pPr lvl="1"/>
+            <a:r>
+              <a:rPr lang="fr-FR" dirty="0" smtClean="0"/>
+              <a:t>Gantt</a:t>
+            </a:r>
+            <a:endParaRPr lang="fr-FR" dirty="0" smtClean="0"/>
+          </a:p>
+          <a:p>
+            <a:pPr lvl="1"/>
+            <a:r>
+              <a:rPr lang="fr-FR" dirty="0" smtClean="0"/>
+              <a:t>Sprints</a:t>
+            </a:r>
+          </a:p>
+          <a:p>
+            <a:pPr lvl="1"/>
+            <a:r>
+              <a:rPr lang="fr-FR" dirty="0" smtClean="0"/>
+              <a:t>Documentation</a:t>
+            </a:r>
+          </a:p>
+          <a:p>
+            <a:pPr lvl="1"/>
+            <a:r>
+              <a:rPr lang="fr-FR" dirty="0" smtClean="0"/>
+              <a:t>Contrat d’équipe</a:t>
+            </a:r>
+          </a:p>
+          <a:p>
+            <a:pPr lvl="1"/>
+            <a:endParaRPr lang="fr-FR" dirty="0" smtClean="0"/>
+          </a:p>
+          <a:p>
             <a:endParaRPr lang="fr-FR" dirty="0"/>
           </a:p>
         </p:txBody>
@@ -8572,39 +8873,33 @@
           </a:p>
         </p:txBody>
       </p:sp>
-      <p:pic>
-        <p:nvPicPr>
-          <p:cNvPr id="5" name="Image 4"/>
-          <p:cNvPicPr>
-            <a:picLocks noChangeAspect="1"/>
-          </p:cNvPicPr>
-          <p:nvPr/>
-        </p:nvPicPr>
-        <p:blipFill rotWithShape="1">
-          <a:blip r:embed="rId2">
-            <a:extLst>
-              <a:ext uri="{28A0092B-C50C-407E-A947-70E740481C1C}">
-                <a14:useLocalDpi xmlns:a14="http://schemas.microsoft.com/office/drawing/2010/main" val="0"/>
-              </a:ext>
-            </a:extLst>
-          </a:blip>
-          <a:srcRect r="44444" b="13297"/>
-          <a:stretch/>
-        </p:blipFill>
-        <p:spPr>
-          <a:xfrm>
-            <a:off x="8453120" y="3532637"/>
-            <a:ext cx="3576320" cy="3162803"/>
-          </a:xfrm>
-          <a:prstGeom prst="rect">
-            <a:avLst/>
-          </a:prstGeom>
-        </p:spPr>
-      </p:pic>
+      <p:sp>
+        <p:nvSpPr>
+          <p:cNvPr id="5" name="Espace réservé du pied de page 4"/>
+          <p:cNvSpPr>
+            <a:spLocks noGrp="1"/>
+          </p:cNvSpPr>
+          <p:nvPr>
+            <p:ph type="ftr" sz="quarter" idx="11"/>
+          </p:nvPr>
+        </p:nvSpPr>
+        <p:spPr/>
+        <p:txBody>
+          <a:bodyPr/>
+          <a:lstStyle/>
+          <a:p>
+            <a:r>
+              <a:rPr lang="en-US" smtClean="0"/>
+              <a:t>Yoann Gathignol - Titouan Bouete-Giraud - Guillaume Robert - 1A</a:t>
+            </a:r>
+            <a:endParaRPr lang="en-US" dirty="0"/>
+          </a:p>
+        </p:txBody>
+      </p:sp>
     </p:spTree>
     <p:extLst>
       <p:ext uri="{BB962C8B-B14F-4D97-AF65-F5344CB8AC3E}">
-        <p14:creationId xmlns:p14="http://schemas.microsoft.com/office/powerpoint/2010/main" val="231390128"/>
+        <p14:creationId xmlns:p14="http://schemas.microsoft.com/office/powerpoint/2010/main" val="1990947853"/>
       </p:ext>
     </p:extLst>
   </p:cSld>
@@ -8676,7 +8971,32 @@
           <a:bodyPr/>
           <a:lstStyle/>
           <a:p>
-            <a:endParaRPr lang="fr-FR"/>
+            <a:r>
+              <a:rPr lang="fr-FR" dirty="0" smtClean="0"/>
+              <a:t>Outils actuels</a:t>
+            </a:r>
+          </a:p>
+          <a:p>
+            <a:pPr lvl="1"/>
+            <a:r>
+              <a:rPr lang="fr-FR" dirty="0" smtClean="0"/>
+              <a:t>Génération lente</a:t>
+            </a:r>
+          </a:p>
+          <a:p>
+            <a:pPr lvl="1"/>
+            <a:r>
+              <a:rPr lang="fr-FR" dirty="0" smtClean="0"/>
+              <a:t>Modification impossible</a:t>
+            </a:r>
+          </a:p>
+          <a:p>
+            <a:pPr lvl="1"/>
+            <a:r>
+              <a:rPr lang="fr-FR" dirty="0" smtClean="0"/>
+              <a:t>Pas de trace des anciennes grilles générées</a:t>
+            </a:r>
+            <a:endParaRPr lang="fr-FR" dirty="0"/>
           </a:p>
         </p:txBody>
       </p:sp>
@@ -8700,6 +9020,29 @@
               <a:pPr/>
               <a:t>4</a:t>
             </a:fld>
+            <a:endParaRPr lang="en-US" dirty="0"/>
+          </a:p>
+        </p:txBody>
+      </p:sp>
+      <p:sp>
+        <p:nvSpPr>
+          <p:cNvPr id="5" name="Espace réservé du pied de page 4"/>
+          <p:cNvSpPr>
+            <a:spLocks noGrp="1"/>
+          </p:cNvSpPr>
+          <p:nvPr>
+            <p:ph type="ftr" sz="quarter" idx="11"/>
+          </p:nvPr>
+        </p:nvSpPr>
+        <p:spPr/>
+        <p:txBody>
+          <a:bodyPr/>
+          <a:lstStyle/>
+          <a:p>
+            <a:r>
+              <a:rPr lang="en-US" smtClean="0"/>
+              <a:t>Yoann Gathignol - Titouan Bouete-Giraud - Guillaume Robert - 1A</a:t>
+            </a:r>
             <a:endParaRPr lang="en-US" dirty="0"/>
           </a:p>
         </p:txBody>
@@ -8714,6 +9057,13 @@
   <p:clrMapOvr>
     <a:masterClrMapping/>
   </p:clrMapOvr>
+  <p:timing>
+    <p:tnLst>
+      <p:par>
+        <p:cTn id="1" dur="indefinite" restart="never" nodeType="tmRoot"/>
+      </p:par>
+    </p:tnLst>
+  </p:timing>
 </p:sld>
 </file>
 
@@ -8884,6 +9234,29 @@
           </a:p>
         </p:txBody>
       </p:sp>
+      <p:sp>
+        <p:nvSpPr>
+          <p:cNvPr id="5" name="Espace réservé du pied de page 4"/>
+          <p:cNvSpPr>
+            <a:spLocks noGrp="1"/>
+          </p:cNvSpPr>
+          <p:nvPr>
+            <p:ph type="ftr" sz="quarter" idx="11"/>
+          </p:nvPr>
+        </p:nvSpPr>
+        <p:spPr/>
+        <p:txBody>
+          <a:bodyPr/>
+          <a:lstStyle/>
+          <a:p>
+            <a:r>
+              <a:rPr lang="en-US" smtClean="0"/>
+              <a:t>Yoann Gathignol - Titouan Bouete-Giraud - Guillaume Robert - 1A</a:t>
+            </a:r>
+            <a:endParaRPr lang="en-US" dirty="0"/>
+          </a:p>
+        </p:txBody>
+      </p:sp>
     </p:spTree>
     <p:extLst>
       <p:ext uri="{BB962C8B-B14F-4D97-AF65-F5344CB8AC3E}">
@@ -8894,6 +9267,13 @@
   <p:clrMapOvr>
     <a:masterClrMapping/>
   </p:clrMapOvr>
+  <p:timing>
+    <p:tnLst>
+      <p:par>
+        <p:cTn id="1" dur="indefinite" restart="never" nodeType="tmRoot"/>
+      </p:par>
+    </p:tnLst>
+  </p:timing>
 </p:sld>
 </file>
 
@@ -9254,6 +9634,29 @@
           </a:p>
         </p:txBody>
       </p:sp>
+      <p:sp>
+        <p:nvSpPr>
+          <p:cNvPr id="3" name="Espace réservé du pied de page 2"/>
+          <p:cNvSpPr>
+            <a:spLocks noGrp="1"/>
+          </p:cNvSpPr>
+          <p:nvPr>
+            <p:ph type="ftr" sz="quarter" idx="11"/>
+          </p:nvPr>
+        </p:nvSpPr>
+        <p:spPr/>
+        <p:txBody>
+          <a:bodyPr/>
+          <a:lstStyle/>
+          <a:p>
+            <a:r>
+              <a:rPr lang="en-US" smtClean="0"/>
+              <a:t>Yoann Gathignol - Titouan Bouete-Giraud - Guillaume Robert - 1A</a:t>
+            </a:r>
+            <a:endParaRPr lang="en-US" dirty="0"/>
+          </a:p>
+        </p:txBody>
+      </p:sp>
     </p:spTree>
     <p:extLst>
       <p:ext uri="{BB962C8B-B14F-4D97-AF65-F5344CB8AC3E}">
@@ -9476,6 +9879,29 @@
           </a:p>
         </p:txBody>
       </p:sp>
+      <p:sp>
+        <p:nvSpPr>
+          <p:cNvPr id="3" name="Espace réservé du pied de page 2"/>
+          <p:cNvSpPr>
+            <a:spLocks noGrp="1"/>
+          </p:cNvSpPr>
+          <p:nvPr>
+            <p:ph type="ftr" sz="quarter" idx="11"/>
+          </p:nvPr>
+        </p:nvSpPr>
+        <p:spPr/>
+        <p:txBody>
+          <a:bodyPr/>
+          <a:lstStyle/>
+          <a:p>
+            <a:r>
+              <a:rPr lang="en-US" smtClean="0"/>
+              <a:t>Yoann Gathignol - Titouan Bouete-Giraud - Guillaume Robert - 1A</a:t>
+            </a:r>
+            <a:endParaRPr lang="en-US" dirty="0"/>
+          </a:p>
+        </p:txBody>
+      </p:sp>
     </p:spTree>
     <p:extLst>
       <p:ext uri="{BB962C8B-B14F-4D97-AF65-F5344CB8AC3E}">
@@ -9553,8 +9979,8 @@
         </p:blipFill>
         <p:spPr>
           <a:xfrm>
-            <a:off x="2592925" y="1632246"/>
-            <a:ext cx="3520867" cy="4956125"/>
+            <a:off x="2589212" y="2017172"/>
+            <a:ext cx="2925909" cy="4118636"/>
           </a:xfrm>
           <a:prstGeom prst="rect">
             <a:avLst/>
@@ -9569,7 +9995,7 @@
         </p:nvSpPr>
         <p:spPr>
           <a:xfrm>
-            <a:off x="6113792" y="2315198"/>
+            <a:off x="5840325" y="2528211"/>
             <a:ext cx="3110669" cy="923330"/>
           </a:xfrm>
           <a:prstGeom prst="rect">
@@ -9612,7 +10038,7 @@
         </p:nvSpPr>
         <p:spPr>
           <a:xfrm>
-            <a:off x="6113792" y="3187061"/>
+            <a:off x="5840326" y="3229502"/>
             <a:ext cx="3110669" cy="923330"/>
           </a:xfrm>
           <a:prstGeom prst="rect">
@@ -9655,7 +10081,7 @@
         </p:nvSpPr>
         <p:spPr>
           <a:xfrm>
-            <a:off x="6113792" y="4057364"/>
+            <a:off x="5840326" y="3970442"/>
             <a:ext cx="3110669" cy="923330"/>
           </a:xfrm>
           <a:prstGeom prst="rect">
@@ -9698,7 +10124,7 @@
         </p:nvSpPr>
         <p:spPr>
           <a:xfrm>
-            <a:off x="6113792" y="4876200"/>
+            <a:off x="5840324" y="4776043"/>
             <a:ext cx="3110669" cy="923330"/>
           </a:xfrm>
           <a:prstGeom prst="rect">
@@ -9741,7 +10167,7 @@
         </p:nvSpPr>
         <p:spPr>
           <a:xfrm>
-            <a:off x="6113792" y="5797970"/>
+            <a:off x="5840326" y="5502940"/>
             <a:ext cx="3110669" cy="923330"/>
           </a:xfrm>
           <a:prstGeom prst="rect">
@@ -9796,6 +10222,29 @@
               <a:pPr/>
               <a:t>8</a:t>
             </a:fld>
+            <a:endParaRPr lang="en-US" dirty="0"/>
+          </a:p>
+        </p:txBody>
+      </p:sp>
+      <p:sp>
+        <p:nvSpPr>
+          <p:cNvPr id="3" name="Espace réservé du pied de page 2"/>
+          <p:cNvSpPr>
+            <a:spLocks noGrp="1"/>
+          </p:cNvSpPr>
+          <p:nvPr>
+            <p:ph type="ftr" sz="quarter" idx="11"/>
+          </p:nvPr>
+        </p:nvSpPr>
+        <p:spPr/>
+        <p:txBody>
+          <a:bodyPr/>
+          <a:lstStyle/>
+          <a:p>
+            <a:r>
+              <a:rPr lang="en-US" smtClean="0"/>
+              <a:t>Yoann Gathignol - Titouan Bouete-Giraud - Guillaume Robert - 1A</a:t>
+            </a:r>
             <a:endParaRPr lang="en-US" dirty="0"/>
           </a:p>
         </p:txBody>
@@ -10034,6 +10483,29 @@
               <a:pPr/>
               <a:t>9</a:t>
             </a:fld>
+            <a:endParaRPr lang="en-US" dirty="0"/>
+          </a:p>
+        </p:txBody>
+      </p:sp>
+      <p:sp>
+        <p:nvSpPr>
+          <p:cNvPr id="3" name="Espace réservé du pied de page 2"/>
+          <p:cNvSpPr>
+            <a:spLocks noGrp="1"/>
+          </p:cNvSpPr>
+          <p:nvPr>
+            <p:ph type="ftr" sz="quarter" idx="11"/>
+          </p:nvPr>
+        </p:nvSpPr>
+        <p:spPr/>
+        <p:txBody>
+          <a:bodyPr/>
+          <a:lstStyle/>
+          <a:p>
+            <a:r>
+              <a:rPr lang="en-US" smtClean="0"/>
+              <a:t>Yoann Gathignol - Titouan Bouete-Giraud - Guillaume Robert - 1A</a:t>
+            </a:r>
             <a:endParaRPr lang="en-US" dirty="0"/>
           </a:p>
         </p:txBody>

--- a/SOUTENANCE/I HEAR I SAY.pptx
+++ b/SOUTENANCE/I HEAR I SAY.pptx
@@ -206,7 +206,7 @@
           <a:p>
             <a:fld id="{E0D73947-CED3-4729-B2B6-FDB8EDD0C21A}" type="datetimeFigureOut">
               <a:rPr lang="fr-FR" smtClean="0"/>
-              <a:t>29/11/2016</a:t>
+              <a:t>01/12/2016</a:t>
             </a:fld>
             <a:endParaRPr lang="fr-FR"/>
           </a:p>
@@ -914,7 +914,7 @@
           <a:p>
             <a:fld id="{CF70076B-3AEE-4CCF-8309-4A51262BD39B}" type="datetime1">
               <a:rPr lang="en-US" smtClean="0"/>
-              <a:t>11/29/2016</a:t>
+              <a:t>12/1/2016</a:t>
             </a:fld>
             <a:endParaRPr lang="en-US" dirty="0"/>
           </a:p>
@@ -1252,7 +1252,7 @@
           <a:p>
             <a:fld id="{965EF287-9D13-4BBB-AD64-90A6F68DC437}" type="datetime1">
               <a:rPr lang="en-US" smtClean="0"/>
-              <a:t>11/29/2016</a:t>
+              <a:t>12/1/2016</a:t>
             </a:fld>
             <a:endParaRPr lang="en-US" dirty="0"/>
           </a:p>
@@ -1653,7 +1653,7 @@
           <a:p>
             <a:fld id="{4E02ACAF-6E0A-4BFA-A998-C23501319CEB}" type="datetime1">
               <a:rPr lang="en-US" smtClean="0"/>
-              <a:t>11/29/2016</a:t>
+              <a:t>12/1/2016</a:t>
             </a:fld>
             <a:endParaRPr lang="en-US" dirty="0"/>
           </a:p>
@@ -1989,7 +1989,7 @@
           <a:p>
             <a:fld id="{1BB394E6-5E1F-487A-884E-33CB76F0F981}" type="datetime1">
               <a:rPr lang="en-US" smtClean="0"/>
-              <a:t>11/29/2016</a:t>
+              <a:t>12/1/2016</a:t>
             </a:fld>
             <a:endParaRPr lang="en-US" dirty="0"/>
           </a:p>
@@ -2309,7 +2309,7 @@
           <a:p>
             <a:fld id="{9982F500-98E8-4354-BA0E-9DEB265BABD5}" type="datetime1">
               <a:rPr lang="en-US" smtClean="0"/>
-              <a:t>11/29/2016</a:t>
+              <a:t>12/1/2016</a:t>
             </a:fld>
             <a:endParaRPr lang="en-US" dirty="0"/>
           </a:p>
@@ -2705,7 +2705,7 @@
           <a:p>
             <a:fld id="{03D9F833-05BD-4816-A1C4-77294EF43A85}" type="datetime1">
               <a:rPr lang="en-US" smtClean="0"/>
-              <a:t>11/29/2016</a:t>
+              <a:t>12/1/2016</a:t>
             </a:fld>
             <a:endParaRPr lang="en-US" dirty="0"/>
           </a:p>
@@ -2962,7 +2962,7 @@
           <a:p>
             <a:fld id="{03691DF6-0A71-40E1-83D6-78326EF392E3}" type="datetime1">
               <a:rPr lang="en-US" smtClean="0"/>
-              <a:t>11/29/2016</a:t>
+              <a:t>12/1/2016</a:t>
             </a:fld>
             <a:endParaRPr lang="en-US" dirty="0"/>
           </a:p>
@@ -3224,7 +3224,7 @@
           <a:p>
             <a:fld id="{3A680F56-72C5-4249-9DC2-97F4382C2589}" type="datetime1">
               <a:rPr lang="en-US" smtClean="0"/>
-              <a:t>11/29/2016</a:t>
+              <a:t>12/1/2016</a:t>
             </a:fld>
             <a:endParaRPr lang="en-US" dirty="0"/>
           </a:p>
@@ -3486,7 +3486,7 @@
           <a:p>
             <a:fld id="{C28576F9-E6CB-4647-93A7-39EC966FD12A}" type="datetime1">
               <a:rPr lang="en-US" smtClean="0"/>
-              <a:t>11/29/2016</a:t>
+              <a:t>12/1/2016</a:t>
             </a:fld>
             <a:endParaRPr lang="en-US" dirty="0"/>
           </a:p>
@@ -3815,7 +3815,7 @@
           <a:p>
             <a:fld id="{5BD41F3B-EDCE-432C-AB15-05A686C5B86E}" type="datetime1">
               <a:rPr lang="en-US" smtClean="0"/>
-              <a:t>11/29/2016</a:t>
+              <a:t>12/1/2016</a:t>
             </a:fld>
             <a:endParaRPr lang="en-US" dirty="0"/>
           </a:p>
@@ -4138,7 +4138,7 @@
           <a:p>
             <a:fld id="{E8C3DD7C-FC13-4A46-B8AE-589AA1023A5C}" type="datetime1">
               <a:rPr lang="en-US" smtClean="0"/>
-              <a:t>11/29/2016</a:t>
+              <a:t>12/1/2016</a:t>
             </a:fld>
             <a:endParaRPr lang="en-US" dirty="0"/>
           </a:p>
@@ -4595,7 +4595,7 @@
           <a:p>
             <a:fld id="{2A9BAFA9-9F65-4436-A9B2-8AB4BA37DFB1}" type="datetime1">
               <a:rPr lang="en-US" smtClean="0"/>
-              <a:t>11/29/2016</a:t>
+              <a:t>12/1/2016</a:t>
             </a:fld>
             <a:endParaRPr lang="en-US" dirty="0"/>
           </a:p>
@@ -4800,7 +4800,7 @@
           <a:p>
             <a:fld id="{75C8F39A-F13F-4478-875E-76CEDB19EC82}" type="datetime1">
               <a:rPr lang="en-US" smtClean="0"/>
-              <a:t>11/29/2016</a:t>
+              <a:t>12/1/2016</a:t>
             </a:fld>
             <a:endParaRPr lang="en-US" dirty="0"/>
           </a:p>
@@ -4977,7 +4977,7 @@
           <a:p>
             <a:fld id="{A656D7ED-CCB1-4ADF-9D3E-AE98B8393664}" type="datetime1">
               <a:rPr lang="en-US" smtClean="0"/>
-              <a:t>11/29/2016</a:t>
+              <a:t>12/1/2016</a:t>
             </a:fld>
             <a:endParaRPr lang="en-US" dirty="0"/>
           </a:p>
@@ -5310,7 +5310,7 @@
           <a:p>
             <a:fld id="{52AC97BE-D090-4A56-ACCF-525ADF60220C}" type="datetime1">
               <a:rPr lang="en-US" smtClean="0"/>
-              <a:t>11/29/2016</a:t>
+              <a:t>12/1/2016</a:t>
             </a:fld>
             <a:endParaRPr lang="en-US" dirty="0"/>
           </a:p>
@@ -5655,7 +5655,7 @@
           <a:p>
             <a:fld id="{077D7DE3-277E-469C-968A-E5587F8A2085}" type="datetime1">
               <a:rPr lang="en-US" smtClean="0"/>
-              <a:t>11/29/2016</a:t>
+              <a:t>12/1/2016</a:t>
             </a:fld>
             <a:endParaRPr lang="en-US" dirty="0"/>
           </a:p>
@@ -7772,7 +7772,7 @@
           <a:p>
             <a:fld id="{4D778CF9-6505-4D68-8ADE-34012231EA87}" type="datetime1">
               <a:rPr lang="en-US" smtClean="0"/>
-              <a:t>11/29/2016</a:t>
+              <a:t>12/1/2016</a:t>
             </a:fld>
             <a:endParaRPr lang="en-US" dirty="0"/>
           </a:p>
@@ -8336,11 +8336,7 @@
           <a:p>
             <a:r>
               <a:rPr lang="fr-FR" dirty="0" smtClean="0"/>
-              <a:t>PTUT </a:t>
-            </a:r>
-            <a:r>
-              <a:rPr lang="fr-FR" dirty="0" smtClean="0"/>
-              <a:t>2016 </a:t>
+              <a:t>PTUT 2016 </a:t>
             </a:r>
           </a:p>
           <a:p>
@@ -8497,8 +8493,38 @@
             <a:pPr lvl="1"/>
             <a:r>
               <a:rPr lang="fr-FR" dirty="0" smtClean="0"/>
-              <a:t>Mise en commun</a:t>
-            </a:r>
+              <a:t>Mise en </a:t>
+            </a:r>
+            <a:r>
+              <a:rPr lang="fr-FR" dirty="0" smtClean="0"/>
+              <a:t>commun</a:t>
+            </a:r>
+          </a:p>
+          <a:p>
+            <a:pPr lvl="1"/>
+            <a:r>
+              <a:rPr lang="fr-FR" dirty="0" smtClean="0"/>
+              <a:t>Présence de tous les membres</a:t>
+            </a:r>
+          </a:p>
+          <a:p>
+            <a:pPr lvl="1"/>
+            <a:r>
+              <a:rPr lang="fr-FR" dirty="0" smtClean="0"/>
+              <a:t>Respect de la parole de chacun</a:t>
+            </a:r>
+          </a:p>
+          <a:p>
+            <a:pPr lvl="1"/>
+            <a:r>
+              <a:rPr lang="fr-FR" dirty="0" smtClean="0"/>
+              <a:t>Sérieux et rigueur lors </a:t>
+            </a:r>
+            <a:r>
+              <a:rPr lang="fr-FR" smtClean="0"/>
+              <a:t>des réunions</a:t>
+            </a:r>
+            <a:endParaRPr lang="fr-FR" dirty="0" smtClean="0"/>
           </a:p>
           <a:p>
             <a:pPr lvl="1"/>
@@ -8796,7 +8822,6 @@
               <a:rPr lang="fr-FR" dirty="0" smtClean="0"/>
               <a:t>Problématique</a:t>
             </a:r>
-            <a:endParaRPr lang="fr-FR" dirty="0" smtClean="0"/>
           </a:p>
           <a:p>
             <a:r>
@@ -8809,7 +8834,6 @@
               <a:rPr lang="fr-FR" dirty="0" smtClean="0"/>
               <a:t>Planning prévisionnel et </a:t>
             </a:r>
-            <a:endParaRPr lang="fr-FR" dirty="0" smtClean="0"/>
           </a:p>
           <a:p>
             <a:pPr lvl="1"/>
@@ -8817,7 +8841,6 @@
               <a:rPr lang="fr-FR" dirty="0" smtClean="0"/>
               <a:t>Gantt</a:t>
             </a:r>
-            <a:endParaRPr lang="fr-FR" dirty="0" smtClean="0"/>
           </a:p>
           <a:p>
             <a:pPr lvl="1"/>
@@ -9126,11 +9149,7 @@
           <a:p>
             <a:r>
               <a:rPr lang="fr-FR" dirty="0" smtClean="0"/>
-              <a:t>Ce projet répond à la demande de notre </a:t>
-            </a:r>
-            <a:r>
-              <a:rPr lang="fr-FR" dirty="0" smtClean="0"/>
-              <a:t>principal client qui est Isabelle Clavel. Cependant, </a:t>
+              <a:t>Ce projet répond à la demande de notre principal client qui est Isabelle Clavel. Cependant, </a:t>
             </a:r>
             <a:r>
               <a:rPr lang="fr-FR" dirty="0"/>
@@ -9150,15 +9169,7 @@
           <a:p>
             <a:r>
               <a:rPr lang="fr-FR" dirty="0" smtClean="0"/>
-              <a:t>Le </a:t>
-            </a:r>
-            <a:r>
-              <a:rPr lang="fr-FR" dirty="0" smtClean="0"/>
-              <a:t>but étant de faciliter </a:t>
-            </a:r>
-            <a:r>
-              <a:rPr lang="fr-FR" dirty="0" smtClean="0"/>
-              <a:t>leur travail.</a:t>
+              <a:t>Le but étant de faciliter leur travail.</a:t>
             </a:r>
             <a:endParaRPr lang="fr-FR" dirty="0"/>
           </a:p>
@@ -9191,11 +9202,7 @@
             </a:r>
             <a:r>
               <a:rPr lang="fr-FR" dirty="0" smtClean="0"/>
-              <a:t>et intuitive</a:t>
-            </a:r>
-            <a:r>
-              <a:rPr lang="fr-FR" dirty="0" smtClean="0"/>
-              <a:t>.</a:t>
+              <a:t>et intuitive.</a:t>
             </a:r>
             <a:endParaRPr lang="fr-FR" dirty="0"/>
           </a:p>

--- a/SOUTENANCE/I HEAR I SAY.pptx
+++ b/SOUTENANCE/I HEAR I SAY.pptx
@@ -206,7 +206,7 @@
           <a:p>
             <a:fld id="{E0D73947-CED3-4729-B2B6-FDB8EDD0C21A}" type="datetimeFigureOut">
               <a:rPr lang="fr-FR" smtClean="0"/>
-              <a:t>29/11/2016</a:t>
+              <a:t>01/12/2016</a:t>
             </a:fld>
             <a:endParaRPr lang="fr-FR"/>
           </a:p>
@@ -914,7 +914,7 @@
           <a:p>
             <a:fld id="{CF70076B-3AEE-4CCF-8309-4A51262BD39B}" type="datetime1">
               <a:rPr lang="en-US" smtClean="0"/>
-              <a:t>11/29/2016</a:t>
+              <a:t>12/1/2016</a:t>
             </a:fld>
             <a:endParaRPr lang="en-US" dirty="0"/>
           </a:p>
@@ -1252,7 +1252,7 @@
           <a:p>
             <a:fld id="{965EF287-9D13-4BBB-AD64-90A6F68DC437}" type="datetime1">
               <a:rPr lang="en-US" smtClean="0"/>
-              <a:t>11/29/2016</a:t>
+              <a:t>12/1/2016</a:t>
             </a:fld>
             <a:endParaRPr lang="en-US" dirty="0"/>
           </a:p>
@@ -1653,7 +1653,7 @@
           <a:p>
             <a:fld id="{4E02ACAF-6E0A-4BFA-A998-C23501319CEB}" type="datetime1">
               <a:rPr lang="en-US" smtClean="0"/>
-              <a:t>11/29/2016</a:t>
+              <a:t>12/1/2016</a:t>
             </a:fld>
             <a:endParaRPr lang="en-US" dirty="0"/>
           </a:p>
@@ -1989,7 +1989,7 @@
           <a:p>
             <a:fld id="{1BB394E6-5E1F-487A-884E-33CB76F0F981}" type="datetime1">
               <a:rPr lang="en-US" smtClean="0"/>
-              <a:t>11/29/2016</a:t>
+              <a:t>12/1/2016</a:t>
             </a:fld>
             <a:endParaRPr lang="en-US" dirty="0"/>
           </a:p>
@@ -2309,7 +2309,7 @@
           <a:p>
             <a:fld id="{9982F500-98E8-4354-BA0E-9DEB265BABD5}" type="datetime1">
               <a:rPr lang="en-US" smtClean="0"/>
-              <a:t>11/29/2016</a:t>
+              <a:t>12/1/2016</a:t>
             </a:fld>
             <a:endParaRPr lang="en-US" dirty="0"/>
           </a:p>
@@ -2705,7 +2705,7 @@
           <a:p>
             <a:fld id="{03D9F833-05BD-4816-A1C4-77294EF43A85}" type="datetime1">
               <a:rPr lang="en-US" smtClean="0"/>
-              <a:t>11/29/2016</a:t>
+              <a:t>12/1/2016</a:t>
             </a:fld>
             <a:endParaRPr lang="en-US" dirty="0"/>
           </a:p>
@@ -2962,7 +2962,7 @@
           <a:p>
             <a:fld id="{03691DF6-0A71-40E1-83D6-78326EF392E3}" type="datetime1">
               <a:rPr lang="en-US" smtClean="0"/>
-              <a:t>11/29/2016</a:t>
+              <a:t>12/1/2016</a:t>
             </a:fld>
             <a:endParaRPr lang="en-US" dirty="0"/>
           </a:p>
@@ -3224,7 +3224,7 @@
           <a:p>
             <a:fld id="{3A680F56-72C5-4249-9DC2-97F4382C2589}" type="datetime1">
               <a:rPr lang="en-US" smtClean="0"/>
-              <a:t>11/29/2016</a:t>
+              <a:t>12/1/2016</a:t>
             </a:fld>
             <a:endParaRPr lang="en-US" dirty="0"/>
           </a:p>
@@ -3486,7 +3486,7 @@
           <a:p>
             <a:fld id="{C28576F9-E6CB-4647-93A7-39EC966FD12A}" type="datetime1">
               <a:rPr lang="en-US" smtClean="0"/>
-              <a:t>11/29/2016</a:t>
+              <a:t>12/1/2016</a:t>
             </a:fld>
             <a:endParaRPr lang="en-US" dirty="0"/>
           </a:p>
@@ -3815,7 +3815,7 @@
           <a:p>
             <a:fld id="{5BD41F3B-EDCE-432C-AB15-05A686C5B86E}" type="datetime1">
               <a:rPr lang="en-US" smtClean="0"/>
-              <a:t>11/29/2016</a:t>
+              <a:t>12/1/2016</a:t>
             </a:fld>
             <a:endParaRPr lang="en-US" dirty="0"/>
           </a:p>
@@ -4138,7 +4138,7 @@
           <a:p>
             <a:fld id="{E8C3DD7C-FC13-4A46-B8AE-589AA1023A5C}" type="datetime1">
               <a:rPr lang="en-US" smtClean="0"/>
-              <a:t>11/29/2016</a:t>
+              <a:t>12/1/2016</a:t>
             </a:fld>
             <a:endParaRPr lang="en-US" dirty="0"/>
           </a:p>
@@ -4595,7 +4595,7 @@
           <a:p>
             <a:fld id="{2A9BAFA9-9F65-4436-A9B2-8AB4BA37DFB1}" type="datetime1">
               <a:rPr lang="en-US" smtClean="0"/>
-              <a:t>11/29/2016</a:t>
+              <a:t>12/1/2016</a:t>
             </a:fld>
             <a:endParaRPr lang="en-US" dirty="0"/>
           </a:p>
@@ -4800,7 +4800,7 @@
           <a:p>
             <a:fld id="{75C8F39A-F13F-4478-875E-76CEDB19EC82}" type="datetime1">
               <a:rPr lang="en-US" smtClean="0"/>
-              <a:t>11/29/2016</a:t>
+              <a:t>12/1/2016</a:t>
             </a:fld>
             <a:endParaRPr lang="en-US" dirty="0"/>
           </a:p>
@@ -4977,7 +4977,7 @@
           <a:p>
             <a:fld id="{A656D7ED-CCB1-4ADF-9D3E-AE98B8393664}" type="datetime1">
               <a:rPr lang="en-US" smtClean="0"/>
-              <a:t>11/29/2016</a:t>
+              <a:t>12/1/2016</a:t>
             </a:fld>
             <a:endParaRPr lang="en-US" dirty="0"/>
           </a:p>
@@ -5310,7 +5310,7 @@
           <a:p>
             <a:fld id="{52AC97BE-D090-4A56-ACCF-525ADF60220C}" type="datetime1">
               <a:rPr lang="en-US" smtClean="0"/>
-              <a:t>11/29/2016</a:t>
+              <a:t>12/1/2016</a:t>
             </a:fld>
             <a:endParaRPr lang="en-US" dirty="0"/>
           </a:p>
@@ -5655,7 +5655,7 @@
           <a:p>
             <a:fld id="{077D7DE3-277E-469C-968A-E5587F8A2085}" type="datetime1">
               <a:rPr lang="en-US" smtClean="0"/>
-              <a:t>11/29/2016</a:t>
+              <a:t>12/1/2016</a:t>
             </a:fld>
             <a:endParaRPr lang="en-US" dirty="0"/>
           </a:p>
@@ -7772,7 +7772,7 @@
           <a:p>
             <a:fld id="{4D778CF9-6505-4D68-8ADE-34012231EA87}" type="datetime1">
               <a:rPr lang="en-US" smtClean="0"/>
-              <a:t>11/29/2016</a:t>
+              <a:t>12/1/2016</a:t>
             </a:fld>
             <a:endParaRPr lang="en-US" dirty="0"/>
           </a:p>
@@ -8336,11 +8336,7 @@
           <a:p>
             <a:r>
               <a:rPr lang="fr-FR" dirty="0" smtClean="0"/>
-              <a:t>PTUT </a:t>
-            </a:r>
-            <a:r>
-              <a:rPr lang="fr-FR" dirty="0" smtClean="0"/>
-              <a:t>2016 </a:t>
+              <a:t>PTUT 2016 </a:t>
             </a:r>
           </a:p>
           <a:p>
@@ -8497,16 +8493,39 @@
             <a:pPr lvl="1"/>
             <a:r>
               <a:rPr lang="fr-FR" dirty="0" smtClean="0"/>
-              <a:t>Mise en commun</a:t>
+              <a:t>Mise en </a:t>
+            </a:r>
+            <a:r>
+              <a:rPr lang="fr-FR" dirty="0" smtClean="0"/>
+              <a:t>commun</a:t>
             </a:r>
           </a:p>
           <a:p>
             <a:pPr lvl="1"/>
+            <a:r>
+              <a:rPr lang="fr-FR" dirty="0"/>
+              <a:t>Présence de tous les membres</a:t>
+            </a:r>
+          </a:p>
+          <a:p>
+            <a:pPr lvl="1"/>
+            <a:r>
+              <a:rPr lang="fr-FR" dirty="0"/>
+              <a:t>Respect de la parole de chacun</a:t>
+            </a:r>
+          </a:p>
+          <a:p>
+            <a:pPr lvl="1"/>
+            <a:r>
+              <a:rPr lang="fr-FR" dirty="0"/>
+              <a:t>Sérieux et rigueur lors des réunions</a:t>
+            </a:r>
+          </a:p>
+          <a:p>
+            <a:pPr marL="457200" lvl="1" indent="0">
+              <a:buNone/>
+            </a:pPr>
             <a:endParaRPr lang="fr-FR" dirty="0" smtClean="0"/>
-          </a:p>
-          <a:p>
-            <a:pPr lvl="1"/>
-            <a:endParaRPr lang="fr-FR" dirty="0"/>
           </a:p>
         </p:txBody>
       </p:sp>
@@ -8796,7 +8815,6 @@
               <a:rPr lang="fr-FR" dirty="0" smtClean="0"/>
               <a:t>Problématique</a:t>
             </a:r>
-            <a:endParaRPr lang="fr-FR" dirty="0" smtClean="0"/>
           </a:p>
           <a:p>
             <a:r>
@@ -8807,9 +8825,8 @@
           <a:p>
             <a:r>
               <a:rPr lang="fr-FR" dirty="0" smtClean="0"/>
-              <a:t>Planning prévisionnel et </a:t>
-            </a:r>
-            <a:endParaRPr lang="fr-FR" dirty="0" smtClean="0"/>
+              <a:t>Planning prévisionnel </a:t>
+            </a:r>
           </a:p>
           <a:p>
             <a:pPr lvl="1"/>
@@ -8817,7 +8834,6 @@
               <a:rPr lang="fr-FR" dirty="0" smtClean="0"/>
               <a:t>Gantt</a:t>
             </a:r>
-            <a:endParaRPr lang="fr-FR" dirty="0" smtClean="0"/>
           </a:p>
           <a:p>
             <a:pPr lvl="1"/>
@@ -9126,11 +9142,7 @@
           <a:p>
             <a:r>
               <a:rPr lang="fr-FR" dirty="0" smtClean="0"/>
-              <a:t>Ce projet répond à la demande de notre </a:t>
-            </a:r>
-            <a:r>
-              <a:rPr lang="fr-FR" dirty="0" smtClean="0"/>
-              <a:t>principal client qui est Isabelle Clavel. Cependant, </a:t>
+              <a:t>Ce projet répond à la demande de notre principal client qui est Isabelle Clavel. Cependant, </a:t>
             </a:r>
             <a:r>
               <a:rPr lang="fr-FR" dirty="0"/>
@@ -9150,15 +9162,7 @@
           <a:p>
             <a:r>
               <a:rPr lang="fr-FR" dirty="0" smtClean="0"/>
-              <a:t>Le </a:t>
-            </a:r>
-            <a:r>
-              <a:rPr lang="fr-FR" dirty="0" smtClean="0"/>
-              <a:t>but étant de faciliter </a:t>
-            </a:r>
-            <a:r>
-              <a:rPr lang="fr-FR" dirty="0" smtClean="0"/>
-              <a:t>leur travail.</a:t>
+              <a:t>Le but étant de faciliter la création d’une activité composant leur travail.</a:t>
             </a:r>
             <a:endParaRPr lang="fr-FR" dirty="0"/>
           </a:p>
@@ -9191,11 +9195,7 @@
             </a:r>
             <a:r>
               <a:rPr lang="fr-FR" dirty="0" smtClean="0"/>
-              <a:t>et intuitive</a:t>
-            </a:r>
-            <a:r>
-              <a:rPr lang="fr-FR" dirty="0" smtClean="0"/>
-              <a:t>.</a:t>
+              <a:t>et intuitive.</a:t>
             </a:r>
             <a:endParaRPr lang="fr-FR" dirty="0"/>
           </a:p>

--- a/SOUTENANCE/I HEAR I SAY.pptx
+++ b/SOUTENANCE/I HEAR I SAY.pptx
@@ -5,7 +5,7 @@
     <p:sldMasterId id="2147483648" r:id="rId1"/>
   </p:sldMasterIdLst>
   <p:notesMasterIdLst>
-    <p:notesMasterId r:id="rId12"/>
+    <p:notesMasterId r:id="rId14"/>
   </p:notesMasterIdLst>
   <p:sldIdLst>
     <p:sldId id="256" r:id="rId2"/>
@@ -15,9 +15,11 @@
     <p:sldId id="264" r:id="rId6"/>
     <p:sldId id="263" r:id="rId7"/>
     <p:sldId id="259" r:id="rId8"/>
-    <p:sldId id="260" r:id="rId9"/>
-    <p:sldId id="261" r:id="rId10"/>
-    <p:sldId id="262" r:id="rId11"/>
+    <p:sldId id="267" r:id="rId9"/>
+    <p:sldId id="260" r:id="rId10"/>
+    <p:sldId id="261" r:id="rId11"/>
+    <p:sldId id="262" r:id="rId12"/>
+    <p:sldId id="268" r:id="rId13"/>
   </p:sldIdLst>
   <p:sldSz cx="12192000" cy="6858000"/>
   <p:notesSz cx="6858000" cy="9144000"/>
@@ -1059,6 +1061,18 @@
   <p:clrMapOvr>
     <a:masterClrMapping/>
   </p:clrMapOvr>
+  <mc:AlternateContent xmlns:mc="http://schemas.openxmlformats.org/markup-compatibility/2006" xmlns:p14="http://schemas.microsoft.com/office/powerpoint/2010/main">
+    <mc:Choice Requires="p14">
+      <p:transition spd="slow" p14:dur="1250">
+        <p14:switch dir="r"/>
+      </p:transition>
+    </mc:Choice>
+    <mc:Fallback xmlns="">
+      <p:transition spd="slow">
+        <p:fade/>
+      </p:transition>
+    </mc:Fallback>
+  </mc:AlternateContent>
 </p:sldLayout>
 </file>
 
@@ -1397,6 +1411,18 @@
   <p:clrMapOvr>
     <a:masterClrMapping/>
   </p:clrMapOvr>
+  <mc:AlternateContent xmlns:mc="http://schemas.openxmlformats.org/markup-compatibility/2006" xmlns:p14="http://schemas.microsoft.com/office/powerpoint/2010/main">
+    <mc:Choice Requires="p14">
+      <p:transition spd="slow" p14:dur="1250">
+        <p14:switch dir="r"/>
+      </p:transition>
+    </mc:Choice>
+    <mc:Fallback xmlns="">
+      <p:transition spd="slow">
+        <p:fade/>
+      </p:transition>
+    </mc:Fallback>
+  </mc:AlternateContent>
 </p:sldLayout>
 </file>
 
@@ -1874,6 +1900,18 @@
   <p:clrMapOvr>
     <a:masterClrMapping/>
   </p:clrMapOvr>
+  <mc:AlternateContent xmlns:mc="http://schemas.openxmlformats.org/markup-compatibility/2006" xmlns:p14="http://schemas.microsoft.com/office/powerpoint/2010/main">
+    <mc:Choice Requires="p14">
+      <p:transition spd="slow" p14:dur="1250">
+        <p14:switch dir="r"/>
+      </p:transition>
+    </mc:Choice>
+    <mc:Fallback xmlns="">
+      <p:transition spd="slow">
+        <p:fade/>
+      </p:transition>
+    </mc:Fallback>
+  </mc:AlternateContent>
 </p:sldLayout>
 </file>
 
@@ -2134,6 +2172,18 @@
   <p:clrMapOvr>
     <a:masterClrMapping/>
   </p:clrMapOvr>
+  <mc:AlternateContent xmlns:mc="http://schemas.openxmlformats.org/markup-compatibility/2006" xmlns:p14="http://schemas.microsoft.com/office/powerpoint/2010/main">
+    <mc:Choice Requires="p14">
+      <p:transition spd="slow" p14:dur="1250">
+        <p14:switch dir="r"/>
+      </p:transition>
+    </mc:Choice>
+    <mc:Fallback xmlns="">
+      <p:transition spd="slow">
+        <p:fade/>
+      </p:transition>
+    </mc:Fallback>
+  </mc:AlternateContent>
 </p:sldLayout>
 </file>
 
@@ -2530,6 +2580,18 @@
   <p:clrMapOvr>
     <a:masterClrMapping/>
   </p:clrMapOvr>
+  <mc:AlternateContent xmlns:mc="http://schemas.openxmlformats.org/markup-compatibility/2006" xmlns:p14="http://schemas.microsoft.com/office/powerpoint/2010/main">
+    <mc:Choice Requires="p14">
+      <p:transition spd="slow" p14:dur="1250">
+        <p14:switch dir="r"/>
+      </p:transition>
+    </mc:Choice>
+    <mc:Fallback xmlns="">
+      <p:transition spd="slow">
+        <p:fade/>
+      </p:transition>
+    </mc:Fallback>
+  </mc:AlternateContent>
 </p:sldLayout>
 </file>
 
@@ -2850,6 +2912,18 @@
   <p:clrMapOvr>
     <a:masterClrMapping/>
   </p:clrMapOvr>
+  <mc:AlternateContent xmlns:mc="http://schemas.openxmlformats.org/markup-compatibility/2006" xmlns:p14="http://schemas.microsoft.com/office/powerpoint/2010/main">
+    <mc:Choice Requires="p14">
+      <p:transition spd="slow" p14:dur="1250">
+        <p14:switch dir="r"/>
+      </p:transition>
+    </mc:Choice>
+    <mc:Fallback xmlns="">
+      <p:transition spd="slow">
+        <p:fade/>
+      </p:transition>
+    </mc:Fallback>
+  </mc:AlternateContent>
 </p:sldLayout>
 </file>
 
@@ -3102,6 +3176,18 @@
   <p:clrMapOvr>
     <a:masterClrMapping/>
   </p:clrMapOvr>
+  <mc:AlternateContent xmlns:mc="http://schemas.openxmlformats.org/markup-compatibility/2006" xmlns:p14="http://schemas.microsoft.com/office/powerpoint/2010/main">
+    <mc:Choice Requires="p14">
+      <p:transition spd="slow" p14:dur="1250">
+        <p14:switch dir="r"/>
+      </p:transition>
+    </mc:Choice>
+    <mc:Fallback xmlns="">
+      <p:transition spd="slow">
+        <p:fade/>
+      </p:transition>
+    </mc:Fallback>
+  </mc:AlternateContent>
 </p:sldLayout>
 </file>
 
@@ -3364,6 +3450,18 @@
   <p:clrMapOvr>
     <a:masterClrMapping/>
   </p:clrMapOvr>
+  <mc:AlternateContent xmlns:mc="http://schemas.openxmlformats.org/markup-compatibility/2006" xmlns:p14="http://schemas.microsoft.com/office/powerpoint/2010/main">
+    <mc:Choice Requires="p14">
+      <p:transition spd="slow" p14:dur="1250">
+        <p14:switch dir="r"/>
+      </p:transition>
+    </mc:Choice>
+    <mc:Fallback xmlns="">
+      <p:transition spd="slow">
+        <p:fade/>
+      </p:transition>
+    </mc:Fallback>
+  </mc:AlternateContent>
 </p:sldLayout>
 </file>
 
@@ -3626,6 +3724,18 @@
   <p:clrMapOvr>
     <a:masterClrMapping/>
   </p:clrMapOvr>
+  <mc:AlternateContent xmlns:mc="http://schemas.openxmlformats.org/markup-compatibility/2006" xmlns:p14="http://schemas.microsoft.com/office/powerpoint/2010/main">
+    <mc:Choice Requires="p14">
+      <p:transition spd="slow" p14:dur="1250">
+        <p14:switch dir="r"/>
+      </p:transition>
+    </mc:Choice>
+    <mc:Fallback xmlns="">
+      <p:transition spd="slow">
+        <p:fade/>
+      </p:transition>
+    </mc:Fallback>
+  </mc:AlternateContent>
 </p:sldLayout>
 </file>
 
@@ -3960,6 +4070,18 @@
   <p:clrMapOvr>
     <a:masterClrMapping/>
   </p:clrMapOvr>
+  <mc:AlternateContent xmlns:mc="http://schemas.openxmlformats.org/markup-compatibility/2006" xmlns:p14="http://schemas.microsoft.com/office/powerpoint/2010/main">
+    <mc:Choice Requires="p14">
+      <p:transition spd="slow" p14:dur="1250">
+        <p14:switch dir="r"/>
+      </p:transition>
+    </mc:Choice>
+    <mc:Fallback xmlns="">
+      <p:transition spd="slow">
+        <p:fade/>
+      </p:transition>
+    </mc:Fallback>
+  </mc:AlternateContent>
 </p:sldLayout>
 </file>
 
@@ -4283,6 +4405,18 @@
   <p:clrMapOvr>
     <a:masterClrMapping/>
   </p:clrMapOvr>
+  <mc:AlternateContent xmlns:mc="http://schemas.openxmlformats.org/markup-compatibility/2006" xmlns:p14="http://schemas.microsoft.com/office/powerpoint/2010/main">
+    <mc:Choice Requires="p14">
+      <p:transition spd="slow" p14:dur="1250">
+        <p14:switch dir="r"/>
+      </p:transition>
+    </mc:Choice>
+    <mc:Fallback xmlns="">
+      <p:transition spd="slow">
+        <p:fade/>
+      </p:transition>
+    </mc:Fallback>
+  </mc:AlternateContent>
 </p:sldLayout>
 </file>
 
@@ -4740,6 +4874,18 @@
   <p:clrMapOvr>
     <a:masterClrMapping/>
   </p:clrMapOvr>
+  <mc:AlternateContent xmlns:mc="http://schemas.openxmlformats.org/markup-compatibility/2006" xmlns:p14="http://schemas.microsoft.com/office/powerpoint/2010/main">
+    <mc:Choice Requires="p14">
+      <p:transition spd="slow" p14:dur="1250">
+        <p14:switch dir="r"/>
+      </p:transition>
+    </mc:Choice>
+    <mc:Fallback xmlns="">
+      <p:transition spd="slow">
+        <p:fade/>
+      </p:transition>
+    </mc:Fallback>
+  </mc:AlternateContent>
 </p:sldLayout>
 </file>
 
@@ -4940,6 +5086,18 @@
   <p:clrMapOvr>
     <a:masterClrMapping/>
   </p:clrMapOvr>
+  <mc:AlternateContent xmlns:mc="http://schemas.openxmlformats.org/markup-compatibility/2006" xmlns:p14="http://schemas.microsoft.com/office/powerpoint/2010/main">
+    <mc:Choice Requires="p14">
+      <p:transition spd="slow" p14:dur="1250">
+        <p14:switch dir="r"/>
+      </p:transition>
+    </mc:Choice>
+    <mc:Fallback xmlns="">
+      <p:transition spd="slow">
+        <p:fade/>
+      </p:transition>
+    </mc:Fallback>
+  </mc:AlternateContent>
 </p:sldLayout>
 </file>
 
@@ -5117,6 +5275,18 @@
   <p:clrMapOvr>
     <a:masterClrMapping/>
   </p:clrMapOvr>
+  <mc:AlternateContent xmlns:mc="http://schemas.openxmlformats.org/markup-compatibility/2006" xmlns:p14="http://schemas.microsoft.com/office/powerpoint/2010/main">
+    <mc:Choice Requires="p14">
+      <p:transition spd="slow" p14:dur="1250">
+        <p14:switch dir="r"/>
+      </p:transition>
+    </mc:Choice>
+    <mc:Fallback xmlns="">
+      <p:transition spd="slow">
+        <p:fade/>
+      </p:transition>
+    </mc:Fallback>
+  </mc:AlternateContent>
 </p:sldLayout>
 </file>
 
@@ -5450,6 +5620,18 @@
   <p:clrMapOvr>
     <a:masterClrMapping/>
   </p:clrMapOvr>
+  <mc:AlternateContent xmlns:mc="http://schemas.openxmlformats.org/markup-compatibility/2006" xmlns:p14="http://schemas.microsoft.com/office/powerpoint/2010/main">
+    <mc:Choice Requires="p14">
+      <p:transition spd="slow" p14:dur="1250">
+        <p14:switch dir="r"/>
+      </p:transition>
+    </mc:Choice>
+    <mc:Fallback xmlns="">
+      <p:transition spd="slow">
+        <p:fade/>
+      </p:transition>
+    </mc:Fallback>
+  </mc:AlternateContent>
 </p:sldLayout>
 </file>
 
@@ -5800,6 +5982,18 @@
   <p:clrMapOvr>
     <a:masterClrMapping/>
   </p:clrMapOvr>
+  <mc:AlternateContent xmlns:mc="http://schemas.openxmlformats.org/markup-compatibility/2006" xmlns:p14="http://schemas.microsoft.com/office/powerpoint/2010/main">
+    <mc:Choice Requires="p14">
+      <p:transition spd="slow" p14:dur="1250">
+        <p14:switch dir="r"/>
+      </p:transition>
+    </mc:Choice>
+    <mc:Fallback xmlns="">
+      <p:transition spd="slow">
+        <p:fade/>
+      </p:transition>
+    </mc:Fallback>
+  </mc:AlternateContent>
 </p:sldLayout>
 </file>
 
@@ -7880,6 +8074,18 @@
     <p:sldLayoutId id="2147483658" r:id="rId15"/>
     <p:sldLayoutId id="2147483659" r:id="rId16"/>
   </p:sldLayoutIdLst>
+  <mc:AlternateContent xmlns:mc="http://schemas.openxmlformats.org/markup-compatibility/2006" xmlns:p14="http://schemas.microsoft.com/office/powerpoint/2010/main">
+    <mc:Choice Requires="p14">
+      <p:transition spd="slow" p14:dur="1250">
+        <p14:switch dir="r"/>
+      </p:transition>
+    </mc:Choice>
+    <mc:Fallback xmlns="">
+      <p:transition spd="slow">
+        <p:fade/>
+      </p:transition>
+    </mc:Fallback>
+  </mc:AlternateContent>
   <p:hf hdr="0" dt="0"/>
   <p:txStyles>
     <p:titleStyle>
@@ -8329,15 +8535,25 @@
             <p:ph type="subTitle" idx="1"/>
           </p:nvPr>
         </p:nvSpPr>
-        <p:spPr/>
+        <p:spPr>
+          <a:xfrm>
+            <a:off x="2589213" y="4777379"/>
+            <a:ext cx="8915399" cy="1922524"/>
+          </a:xfrm>
+        </p:spPr>
         <p:txBody>
           <a:bodyPr/>
           <a:lstStyle/>
           <a:p>
             <a:r>
               <a:rPr lang="fr-FR" dirty="0" smtClean="0"/>
-              <a:t>PTUT 2016 </a:t>
-            </a:r>
+              <a:t>PTUT </a:t>
+            </a:r>
+            <a:r>
+              <a:rPr lang="fr-FR" dirty="0" smtClean="0"/>
+              <a:t>2016 </a:t>
+            </a:r>
+            <a:endParaRPr lang="fr-FR" dirty="0" smtClean="0"/>
           </a:p>
           <a:p>
             <a:r>
@@ -8366,7 +8582,23 @@
             </a:r>
             <a:r>
               <a:rPr lang="fr-FR" dirty="0" smtClean="0"/>
-              <a:t>-Giraud – Guillaume Robert 1A</a:t>
+              <a:t>-Giraud – Guillaume Robert </a:t>
+            </a:r>
+            <a:r>
+              <a:rPr lang="fr-FR" dirty="0" smtClean="0"/>
+              <a:t>1A</a:t>
+            </a:r>
+          </a:p>
+          <a:p>
+            <a:r>
+              <a:rPr lang="fr-FR" dirty="0" smtClean="0"/>
+              <a:t>Superviseur : Laurence Redon</a:t>
+            </a:r>
+          </a:p>
+          <a:p>
+            <a:r>
+              <a:rPr lang="fr-FR" dirty="0" smtClean="0"/>
+              <a:t>Client : Isabelle Clavel</a:t>
             </a:r>
             <a:endParaRPr lang="fr-FR" dirty="0"/>
           </a:p>
@@ -8412,6 +8644,18 @@
   <p:clrMapOvr>
     <a:masterClrMapping/>
   </p:clrMapOvr>
+  <mc:AlternateContent xmlns:mc="http://schemas.openxmlformats.org/markup-compatibility/2006" xmlns:p14="http://schemas.microsoft.com/office/powerpoint/2010/main">
+    <mc:Choice Requires="p14">
+      <p:transition spd="slow" p14:dur="4000">
+        <p14:vortex dir="r"/>
+      </p:transition>
+    </mc:Choice>
+    <mc:Fallback xmlns="">
+      <p:transition spd="slow">
+        <p:fade/>
+      </p:transition>
+    </mc:Fallback>
+  </mc:AlternateContent>
   <p:timing>
     <p:tnLst>
       <p:par>
@@ -8456,6 +8700,279 @@
           <a:p>
             <a:r>
               <a:rPr lang="fr-FR" dirty="0" smtClean="0"/>
+              <a:t>Documentation</a:t>
+            </a:r>
+            <a:endParaRPr lang="fr-FR" dirty="0"/>
+          </a:p>
+        </p:txBody>
+      </p:sp>
+      <p:pic>
+        <p:nvPicPr>
+          <p:cNvPr id="4" name="Espace réservé du contenu 3"/>
+          <p:cNvPicPr>
+            <a:picLocks noGrp="1" noChangeAspect="1"/>
+          </p:cNvPicPr>
+          <p:nvPr>
+            <p:ph idx="1"/>
+          </p:nvPr>
+        </p:nvPicPr>
+        <p:blipFill rotWithShape="1">
+          <a:blip r:embed="rId2"/>
+          <a:srcRect l="45343" t="36944" r="34682" b="29807"/>
+          <a:stretch/>
+        </p:blipFill>
+        <p:spPr>
+          <a:xfrm>
+            <a:off x="2592925" y="2093719"/>
+            <a:ext cx="3913975" cy="3664677"/>
+          </a:xfrm>
+          <a:prstGeom prst="rect">
+            <a:avLst/>
+          </a:prstGeom>
+        </p:spPr>
+      </p:pic>
+      <p:sp>
+        <p:nvSpPr>
+          <p:cNvPr id="5" name="ZoneTexte 4"/>
+          <p:cNvSpPr txBox="1"/>
+          <p:nvPr/>
+        </p:nvSpPr>
+        <p:spPr>
+          <a:xfrm>
+            <a:off x="6506899" y="2898358"/>
+            <a:ext cx="3110669" cy="923330"/>
+          </a:xfrm>
+          <a:prstGeom prst="rect">
+            <a:avLst/>
+          </a:prstGeom>
+          <a:noFill/>
+        </p:spPr>
+        <p:txBody>
+          <a:bodyPr wrap="square" rtlCol="0">
+            <a:spAutoFit/>
+          </a:bodyPr>
+          <a:lstStyle/>
+          <a:p>
+            <a:pPr marL="285750" indent="-285750">
+              <a:buFont typeface="Arial" panose="020B0604020202020204" pitchFamily="34" charset="0"/>
+              <a:buChar char="•"/>
+            </a:pPr>
+            <a:r>
+              <a:rPr lang="fr-FR" dirty="0" smtClean="0"/>
+              <a:t>Semaine 50</a:t>
+            </a:r>
+          </a:p>
+          <a:p>
+            <a:pPr marL="285750" indent="-285750">
+              <a:buFont typeface="Arial" panose="020B0604020202020204" pitchFamily="34" charset="0"/>
+              <a:buChar char="•"/>
+            </a:pPr>
+            <a:endParaRPr lang="fr-FR" dirty="0"/>
+          </a:p>
+          <a:p>
+            <a:endParaRPr lang="fr-FR" dirty="0" smtClean="0"/>
+          </a:p>
+        </p:txBody>
+      </p:sp>
+      <p:sp>
+        <p:nvSpPr>
+          <p:cNvPr id="6" name="ZoneTexte 5"/>
+          <p:cNvSpPr txBox="1"/>
+          <p:nvPr/>
+        </p:nvSpPr>
+        <p:spPr>
+          <a:xfrm>
+            <a:off x="6506899" y="3880366"/>
+            <a:ext cx="3110669" cy="923330"/>
+          </a:xfrm>
+          <a:prstGeom prst="rect">
+            <a:avLst/>
+          </a:prstGeom>
+          <a:noFill/>
+        </p:spPr>
+        <p:txBody>
+          <a:bodyPr wrap="square" rtlCol="0">
+            <a:spAutoFit/>
+          </a:bodyPr>
+          <a:lstStyle/>
+          <a:p>
+            <a:pPr marL="285750" indent="-285750">
+              <a:buFont typeface="Arial" panose="020B0604020202020204" pitchFamily="34" charset="0"/>
+              <a:buChar char="•"/>
+            </a:pPr>
+            <a:r>
+              <a:rPr lang="fr-FR" dirty="0" smtClean="0"/>
+              <a:t>Intégration continu</a:t>
+            </a:r>
+          </a:p>
+          <a:p>
+            <a:pPr marL="285750" indent="-285750">
+              <a:buFont typeface="Arial" panose="020B0604020202020204" pitchFamily="34" charset="0"/>
+              <a:buChar char="•"/>
+            </a:pPr>
+            <a:endParaRPr lang="fr-FR" dirty="0"/>
+          </a:p>
+          <a:p>
+            <a:endParaRPr lang="fr-FR" dirty="0" smtClean="0"/>
+          </a:p>
+        </p:txBody>
+      </p:sp>
+      <p:sp>
+        <p:nvSpPr>
+          <p:cNvPr id="7" name="ZoneTexte 6"/>
+          <p:cNvSpPr txBox="1"/>
+          <p:nvPr/>
+        </p:nvSpPr>
+        <p:spPr>
+          <a:xfrm>
+            <a:off x="6506899" y="4862374"/>
+            <a:ext cx="3110669" cy="923330"/>
+          </a:xfrm>
+          <a:prstGeom prst="rect">
+            <a:avLst/>
+          </a:prstGeom>
+          <a:noFill/>
+        </p:spPr>
+        <p:txBody>
+          <a:bodyPr wrap="square" rtlCol="0">
+            <a:spAutoFit/>
+          </a:bodyPr>
+          <a:lstStyle/>
+          <a:p>
+            <a:pPr marL="285750" indent="-285750">
+              <a:buFont typeface="Arial" panose="020B0604020202020204" pitchFamily="34" charset="0"/>
+              <a:buChar char="•"/>
+            </a:pPr>
+            <a:r>
+              <a:rPr lang="fr-FR" dirty="0" smtClean="0"/>
+              <a:t>Intégration continu</a:t>
+            </a:r>
+          </a:p>
+          <a:p>
+            <a:pPr marL="285750" indent="-285750">
+              <a:buFont typeface="Arial" panose="020B0604020202020204" pitchFamily="34" charset="0"/>
+              <a:buChar char="•"/>
+            </a:pPr>
+            <a:endParaRPr lang="fr-FR" dirty="0"/>
+          </a:p>
+          <a:p>
+            <a:endParaRPr lang="fr-FR" dirty="0" smtClean="0"/>
+          </a:p>
+        </p:txBody>
+      </p:sp>
+      <p:sp>
+        <p:nvSpPr>
+          <p:cNvPr id="8" name="Espace réservé du numéro de diapositive 7"/>
+          <p:cNvSpPr>
+            <a:spLocks noGrp="1"/>
+          </p:cNvSpPr>
+          <p:nvPr>
+            <p:ph type="sldNum" sz="quarter" idx="12"/>
+          </p:nvPr>
+        </p:nvSpPr>
+        <p:spPr/>
+        <p:txBody>
+          <a:bodyPr/>
+          <a:lstStyle/>
+          <a:p>
+            <a:fld id="{D57F1E4F-1CFF-5643-939E-217C01CDF565}" type="slidenum">
+              <a:rPr lang="en-US" smtClean="0"/>
+              <a:pPr/>
+              <a:t>10</a:t>
+            </a:fld>
+            <a:endParaRPr lang="en-US" dirty="0"/>
+          </a:p>
+        </p:txBody>
+      </p:sp>
+      <p:sp>
+        <p:nvSpPr>
+          <p:cNvPr id="3" name="Espace réservé du pied de page 2"/>
+          <p:cNvSpPr>
+            <a:spLocks noGrp="1"/>
+          </p:cNvSpPr>
+          <p:nvPr>
+            <p:ph type="ftr" sz="quarter" idx="11"/>
+          </p:nvPr>
+        </p:nvSpPr>
+        <p:spPr/>
+        <p:txBody>
+          <a:bodyPr/>
+          <a:lstStyle/>
+          <a:p>
+            <a:r>
+              <a:rPr lang="en-US" smtClean="0"/>
+              <a:t>Yoann Gathignol - Titouan Bouete-Giraud - Guillaume Robert - 1A</a:t>
+            </a:r>
+            <a:endParaRPr lang="en-US" dirty="0"/>
+          </a:p>
+        </p:txBody>
+      </p:sp>
+    </p:spTree>
+    <p:extLst>
+      <p:ext uri="{BB962C8B-B14F-4D97-AF65-F5344CB8AC3E}">
+        <p14:creationId xmlns:p14="http://schemas.microsoft.com/office/powerpoint/2010/main" val="881779115"/>
+      </p:ext>
+    </p:extLst>
+  </p:cSld>
+  <p:clrMapOvr>
+    <a:masterClrMapping/>
+  </p:clrMapOvr>
+  <mc:AlternateContent xmlns:mc="http://schemas.openxmlformats.org/markup-compatibility/2006" xmlns:p14="http://schemas.microsoft.com/office/powerpoint/2010/main">
+    <mc:Choice Requires="p14">
+      <p:transition spd="slow" p14:dur="1250">
+        <p14:switch dir="r"/>
+      </p:transition>
+    </mc:Choice>
+    <mc:Fallback xmlns="">
+      <p:transition spd="slow">
+        <p:fade/>
+      </p:transition>
+    </mc:Fallback>
+  </mc:AlternateContent>
+  <p:timing>
+    <p:tnLst>
+      <p:par>
+        <p:cTn id="1" dur="indefinite" restart="never" nodeType="tmRoot"/>
+      </p:par>
+    </p:tnLst>
+  </p:timing>
+</p:sld>
+</file>
+
+<file path=ppt/slides/slide11.xml><?xml version="1.0" encoding="utf-8"?>
+<p:sld xmlns:a="http://schemas.openxmlformats.org/drawingml/2006/main" xmlns:r="http://schemas.openxmlformats.org/officeDocument/2006/relationships" xmlns:p="http://schemas.openxmlformats.org/presentationml/2006/main">
+  <p:cSld>
+    <p:spTree>
+      <p:nvGrpSpPr>
+        <p:cNvPr id="1" name=""/>
+        <p:cNvGrpSpPr/>
+        <p:nvPr/>
+      </p:nvGrpSpPr>
+      <p:grpSpPr>
+        <a:xfrm>
+          <a:off x="0" y="0"/>
+          <a:ext cx="0" cy="0"/>
+          <a:chOff x="0" y="0"/>
+          <a:chExt cx="0" cy="0"/>
+        </a:xfrm>
+      </p:grpSpPr>
+      <p:sp>
+        <p:nvSpPr>
+          <p:cNvPr id="2" name="Titre 1"/>
+          <p:cNvSpPr>
+            <a:spLocks noGrp="1"/>
+          </p:cNvSpPr>
+          <p:nvPr>
+            <p:ph type="title"/>
+          </p:nvPr>
+        </p:nvSpPr>
+        <p:spPr/>
+        <p:txBody>
+          <a:bodyPr/>
+          <a:lstStyle/>
+          <a:p>
+            <a:r>
+              <a:rPr lang="fr-FR" dirty="0" smtClean="0"/>
               <a:t>Contrat d’équipe </a:t>
             </a:r>
             <a:endParaRPr lang="fr-FR" dirty="0"/>
@@ -8493,11 +9010,7 @@
             <a:pPr lvl="1"/>
             <a:r>
               <a:rPr lang="fr-FR" dirty="0" smtClean="0"/>
-              <a:t>Mise en </a:t>
-            </a:r>
-            <a:r>
-              <a:rPr lang="fr-FR" dirty="0" smtClean="0"/>
-              <a:t>commun</a:t>
+              <a:t>Mise en commun</a:t>
             </a:r>
           </a:p>
           <a:p>
@@ -8518,8 +9031,27 @@
             <a:pPr lvl="1"/>
             <a:r>
               <a:rPr lang="fr-FR" dirty="0"/>
-              <a:t>Sérieux et rigueur lors des réunions</a:t>
-            </a:r>
+              <a:t>Sérieux et rigueur lors des </a:t>
+            </a:r>
+            <a:r>
+              <a:rPr lang="fr-FR" dirty="0" smtClean="0"/>
+              <a:t>réunions</a:t>
+            </a:r>
+          </a:p>
+          <a:p>
+            <a:pPr lvl="1"/>
+            <a:r>
+              <a:rPr lang="fr-FR" dirty="0" smtClean="0"/>
+              <a:t>Guillaume Robert chef de projet</a:t>
+            </a:r>
+          </a:p>
+          <a:p>
+            <a:pPr lvl="1"/>
+            <a:r>
+              <a:rPr lang="fr-FR" dirty="0" smtClean="0"/>
+              <a:t>Rôles dynamiques</a:t>
+            </a:r>
+            <a:endParaRPr lang="fr-FR" dirty="0"/>
           </a:p>
           <a:p>
             <a:pPr marL="457200" lvl="1" indent="0">
@@ -8547,7 +9079,7 @@
             <a:fld id="{D57F1E4F-1CFF-5643-939E-217C01CDF565}" type="slidenum">
               <a:rPr lang="en-US" smtClean="0"/>
               <a:pPr/>
-              <a:t>10</a:t>
+              <a:t>11</a:t>
             </a:fld>
             <a:endParaRPr lang="en-US" dirty="0"/>
           </a:p>
@@ -8586,6 +9118,18 @@
   <p:clrMapOvr>
     <a:masterClrMapping/>
   </p:clrMapOvr>
+  <mc:AlternateContent xmlns:mc="http://schemas.openxmlformats.org/markup-compatibility/2006" xmlns:p14="http://schemas.microsoft.com/office/powerpoint/2010/main">
+    <mc:Choice Requires="p14">
+      <p:transition spd="slow" p14:dur="1250">
+        <p14:switch dir="r"/>
+      </p:transition>
+    </mc:Choice>
+    <mc:Fallback xmlns="">
+      <p:transition spd="slow">
+        <p:fade/>
+      </p:transition>
+    </mc:Fallback>
+  </mc:AlternateContent>
   <p:timing>
     <p:tnLst>
       <p:par>
@@ -8593,6 +9137,213 @@
       </p:par>
     </p:tnLst>
   </p:timing>
+</p:sld>
+</file>
+
+<file path=ppt/slides/slide12.xml><?xml version="1.0" encoding="utf-8"?>
+<p:sld xmlns:a="http://schemas.openxmlformats.org/drawingml/2006/main" xmlns:r="http://schemas.openxmlformats.org/officeDocument/2006/relationships" xmlns:p="http://schemas.openxmlformats.org/presentationml/2006/main">
+  <p:cSld>
+    <p:spTree>
+      <p:nvGrpSpPr>
+        <p:cNvPr id="1" name=""/>
+        <p:cNvGrpSpPr/>
+        <p:nvPr/>
+      </p:nvGrpSpPr>
+      <p:grpSpPr>
+        <a:xfrm>
+          <a:off x="0" y="0"/>
+          <a:ext cx="0" cy="0"/>
+          <a:chOff x="0" y="0"/>
+          <a:chExt cx="0" cy="0"/>
+        </a:xfrm>
+      </p:grpSpPr>
+      <p:sp>
+        <p:nvSpPr>
+          <p:cNvPr id="2" name="Titre 1"/>
+          <p:cNvSpPr>
+            <a:spLocks noGrp="1"/>
+          </p:cNvSpPr>
+          <p:nvPr>
+            <p:ph type="title"/>
+          </p:nvPr>
+        </p:nvSpPr>
+        <p:spPr/>
+        <p:txBody>
+          <a:bodyPr/>
+          <a:lstStyle/>
+          <a:p>
+            <a:r>
+              <a:rPr lang="fr-FR" dirty="0" smtClean="0"/>
+              <a:t>Outils utilisés</a:t>
+            </a:r>
+            <a:endParaRPr lang="fr-FR" dirty="0"/>
+          </a:p>
+        </p:txBody>
+      </p:sp>
+      <p:sp>
+        <p:nvSpPr>
+          <p:cNvPr id="3" name="Espace réservé du contenu 2"/>
+          <p:cNvSpPr>
+            <a:spLocks noGrp="1"/>
+          </p:cNvSpPr>
+          <p:nvPr>
+            <p:ph idx="1"/>
+          </p:nvPr>
+        </p:nvSpPr>
+        <p:spPr/>
+        <p:txBody>
+          <a:bodyPr/>
+          <a:lstStyle/>
+          <a:p>
+            <a:r>
+              <a:rPr lang="fr-FR" dirty="0" smtClean="0"/>
+              <a:t>Technique</a:t>
+            </a:r>
+          </a:p>
+          <a:p>
+            <a:pPr lvl="1"/>
+            <a:r>
+              <a:rPr lang="fr-FR" dirty="0" err="1" smtClean="0"/>
+              <a:t>GitHub</a:t>
+            </a:r>
+            <a:endParaRPr lang="fr-FR" dirty="0" smtClean="0"/>
+          </a:p>
+          <a:p>
+            <a:pPr lvl="1"/>
+            <a:r>
+              <a:rPr lang="fr-FR" dirty="0" smtClean="0"/>
+              <a:t>Eclipse</a:t>
+            </a:r>
+          </a:p>
+          <a:p>
+            <a:r>
+              <a:rPr lang="fr-FR" dirty="0" smtClean="0"/>
+              <a:t>Communication </a:t>
+            </a:r>
+          </a:p>
+          <a:p>
+            <a:pPr lvl="1"/>
+            <a:r>
+              <a:rPr lang="fr-FR" dirty="0" smtClean="0"/>
+              <a:t>Skype</a:t>
+            </a:r>
+          </a:p>
+          <a:p>
+            <a:pPr lvl="1"/>
+            <a:r>
+              <a:rPr lang="fr-FR" dirty="0" smtClean="0"/>
+              <a:t>Mails</a:t>
+            </a:r>
+          </a:p>
+          <a:p>
+            <a:pPr lvl="1"/>
+            <a:r>
+              <a:rPr lang="fr-FR" dirty="0" smtClean="0"/>
+              <a:t>Réunion client/superviseur</a:t>
+            </a:r>
+            <a:endParaRPr lang="fr-FR" dirty="0"/>
+          </a:p>
+        </p:txBody>
+      </p:sp>
+      <p:sp>
+        <p:nvSpPr>
+          <p:cNvPr id="4" name="Espace réservé du pied de page 3"/>
+          <p:cNvSpPr>
+            <a:spLocks noGrp="1"/>
+          </p:cNvSpPr>
+          <p:nvPr>
+            <p:ph type="ftr" sz="quarter" idx="11"/>
+          </p:nvPr>
+        </p:nvSpPr>
+        <p:spPr/>
+        <p:txBody>
+          <a:bodyPr/>
+          <a:lstStyle/>
+          <a:p>
+            <a:r>
+              <a:rPr lang="en-US" smtClean="0"/>
+              <a:t>Yoann Gathignol - Titouan Bouete-Giraud - Guillaume Robert - 1A</a:t>
+            </a:r>
+            <a:endParaRPr lang="en-US" dirty="0"/>
+          </a:p>
+        </p:txBody>
+      </p:sp>
+      <p:sp>
+        <p:nvSpPr>
+          <p:cNvPr id="5" name="Espace réservé du numéro de diapositive 4"/>
+          <p:cNvSpPr>
+            <a:spLocks noGrp="1"/>
+          </p:cNvSpPr>
+          <p:nvPr>
+            <p:ph type="sldNum" sz="quarter" idx="12"/>
+          </p:nvPr>
+        </p:nvSpPr>
+        <p:spPr/>
+        <p:txBody>
+          <a:bodyPr/>
+          <a:lstStyle/>
+          <a:p>
+            <a:fld id="{D57F1E4F-1CFF-5643-939E-217C01CDF565}" type="slidenum">
+              <a:rPr lang="en-US" smtClean="0"/>
+              <a:pPr/>
+              <a:t>12</a:t>
+            </a:fld>
+            <a:endParaRPr lang="en-US" dirty="0"/>
+          </a:p>
+        </p:txBody>
+      </p:sp>
+      <p:pic>
+        <p:nvPicPr>
+          <p:cNvPr id="6" name="Image 5"/>
+          <p:cNvPicPr>
+            <a:picLocks noChangeAspect="1"/>
+          </p:cNvPicPr>
+          <p:nvPr/>
+        </p:nvPicPr>
+        <p:blipFill>
+          <a:blip r:embed="rId2">
+            <a:extLst>
+              <a:ext uri="{28A0092B-C50C-407E-A947-70E740481C1C}">
+                <a14:useLocalDpi xmlns:a14="http://schemas.microsoft.com/office/drawing/2010/main" val="0"/>
+              </a:ext>
+            </a:extLst>
+          </a:blip>
+          <a:stretch>
+            <a:fillRect/>
+          </a:stretch>
+        </p:blipFill>
+        <p:spPr>
+          <a:xfrm>
+            <a:off x="10251398" y="2133600"/>
+            <a:ext cx="1253214" cy="1253214"/>
+          </a:xfrm>
+          <a:prstGeom prst="rect">
+            <a:avLst/>
+          </a:prstGeom>
+        </p:spPr>
+      </p:pic>
+    </p:spTree>
+    <p:extLst>
+      <p:ext uri="{BB962C8B-B14F-4D97-AF65-F5344CB8AC3E}">
+        <p14:creationId xmlns:p14="http://schemas.microsoft.com/office/powerpoint/2010/main" val="4172384268"/>
+      </p:ext>
+    </p:extLst>
+  </p:cSld>
+  <p:clrMapOvr>
+    <a:masterClrMapping/>
+  </p:clrMapOvr>
+  <mc:AlternateContent xmlns:mc="http://schemas.openxmlformats.org/markup-compatibility/2006">
+    <mc:Choice xmlns:p14="http://schemas.microsoft.com/office/powerpoint/2010/main" Requires="p14">
+      <p:transition spd="slow" p14:dur="1250">
+        <p14:switch dir="r"/>
+      </p:transition>
+    </mc:Choice>
+    <mc:Fallback>
+      <p:transition spd="slow">
+        <p:fade/>
+      </p:transition>
+    </mc:Fallback>
+  </mc:AlternateContent>
 </p:sld>
 </file>
 
@@ -8636,27 +9387,65 @@
           <a:lstStyle/>
           <a:p>
             <a:r>
-              <a:rPr lang="fr-FR" dirty="0"/>
-              <a:t>Vous voulez générer des grilles pour vos travaux ? Pourquoi ne pas utiliser notre application qui facilite cette tâche ?</a:t>
+              <a:rPr lang="fr-FR" dirty="0">
+                <a:latin typeface="+mn-lt"/>
+              </a:rPr>
+              <a:t>Vous voulez générer des </a:t>
+            </a:r>
+            <a:r>
+              <a:rPr lang="fr-FR" dirty="0" smtClean="0">
+                <a:latin typeface="+mn-lt"/>
+              </a:rPr>
+              <a:t>grilles d’exercice </a:t>
+            </a:r>
+            <a:r>
+              <a:rPr lang="fr-FR" dirty="0">
+                <a:latin typeface="+mn-lt"/>
+              </a:rPr>
+              <a:t>pour </a:t>
+            </a:r>
+            <a:r>
+              <a:rPr lang="fr-FR" dirty="0" smtClean="0">
+                <a:latin typeface="+mn-lt"/>
+              </a:rPr>
+              <a:t>vos cours d’anglais ? </a:t>
+            </a:r>
+            <a:r>
+              <a:rPr lang="fr-FR" dirty="0">
+                <a:latin typeface="+mn-lt"/>
+              </a:rPr>
+              <a:t>Pourquoi ne pas utiliser notre application qui facilite cette tâche ?</a:t>
             </a:r>
             <a:br>
-              <a:rPr lang="fr-FR" dirty="0"/>
+              <a:rPr lang="fr-FR" dirty="0">
+                <a:latin typeface="+mn-lt"/>
+              </a:rPr>
             </a:br>
             <a:r>
-              <a:rPr lang="fr-FR" dirty="0"/>
+              <a:rPr lang="fr-FR" dirty="0">
+                <a:latin typeface="+mn-lt"/>
+              </a:rPr>
               <a:t/>
             </a:r>
             <a:br>
-              <a:rPr lang="fr-FR" dirty="0"/>
+              <a:rPr lang="fr-FR" dirty="0">
+                <a:latin typeface="+mn-lt"/>
+              </a:rPr>
             </a:br>
             <a:r>
-              <a:rPr lang="fr-FR" dirty="0"/>
+              <a:rPr lang="fr-FR" dirty="0">
+                <a:latin typeface="+mn-lt"/>
+              </a:rPr>
               <a:t/>
             </a:r>
             <a:br>
-              <a:rPr lang="fr-FR" dirty="0"/>
+              <a:rPr lang="fr-FR" dirty="0">
+                <a:latin typeface="+mn-lt"/>
+              </a:rPr>
             </a:br>
-            <a:endParaRPr lang="fr-FR" dirty="0"/>
+            <a:endParaRPr lang="fr-FR" dirty="0">
+              <a:latin typeface="+mn-lt"/>
+            </a:endParaRPr>
           </a:p>
         </p:txBody>
       </p:sp>
@@ -8746,6 +9535,18 @@
   <p:clrMapOvr>
     <a:masterClrMapping/>
   </p:clrMapOvr>
+  <mc:AlternateContent xmlns:mc="http://schemas.openxmlformats.org/markup-compatibility/2006" xmlns:p14="http://schemas.microsoft.com/office/powerpoint/2010/main">
+    <mc:Choice Requires="p14">
+      <p:transition spd="slow" p14:dur="1250">
+        <p14:switch dir="r"/>
+      </p:transition>
+    </mc:Choice>
+    <mc:Fallback xmlns="">
+      <p:transition spd="slow">
+        <p:fade/>
+      </p:transition>
+    </mc:Fallback>
+  </mc:AlternateContent>
   <p:timing>
     <p:tnLst>
       <p:par>
@@ -8790,7 +9591,7 @@
           <a:p>
             <a:r>
               <a:rPr lang="fr-FR" dirty="0" smtClean="0"/>
-              <a:t>Sommaire</a:t>
+              <a:t>Plan</a:t>
             </a:r>
             <a:endParaRPr lang="fr-FR" dirty="0"/>
           </a:p>
@@ -8813,33 +9614,22 @@
           <a:p>
             <a:r>
               <a:rPr lang="fr-FR" dirty="0" smtClean="0"/>
-              <a:t>Problématique</a:t>
-            </a:r>
-          </a:p>
-          <a:p>
+              <a:t>Introduction</a:t>
+            </a:r>
+            <a:endParaRPr lang="fr-FR" dirty="0"/>
+          </a:p>
+          <a:p>
+            <a:pPr lvl="1"/>
             <a:r>
               <a:rPr lang="fr-FR" dirty="0" smtClean="0"/>
               <a:t>Analyse de la demande du client</a:t>
             </a:r>
           </a:p>
           <a:p>
+            <a:pPr lvl="1"/>
             <a:r>
               <a:rPr lang="fr-FR" dirty="0" smtClean="0"/>
-              <a:t>Planning prévisionnel </a:t>
-            </a:r>
-          </a:p>
-          <a:p>
-            <a:pPr lvl="1"/>
-            <a:r>
-              <a:rPr lang="fr-FR" dirty="0" smtClean="0"/>
-              <a:t>Gantt</a:t>
-            </a:r>
-          </a:p>
-          <a:p>
-            <a:pPr lvl="1"/>
-            <a:r>
-              <a:rPr lang="fr-FR" dirty="0" smtClean="0"/>
-              <a:t>Sprints</a:t>
+              <a:t>Planning prévisionnel</a:t>
             </a:r>
           </a:p>
           <a:p>
@@ -8855,6 +9645,26 @@
               <a:rPr lang="fr-FR" dirty="0" smtClean="0"/>
               <a:t>Contrat d’équipe</a:t>
             </a:r>
+          </a:p>
+          <a:p>
+            <a:pPr lvl="1"/>
+            <a:r>
+              <a:rPr lang="fr-FR" dirty="0" smtClean="0"/>
+              <a:t>Outils</a:t>
+            </a:r>
+          </a:p>
+          <a:p>
+            <a:r>
+              <a:rPr lang="fr-FR" dirty="0" smtClean="0"/>
+              <a:t>Solutions techniques </a:t>
+            </a:r>
+          </a:p>
+          <a:p>
+            <a:r>
+              <a:rPr lang="fr-FR" dirty="0" smtClean="0"/>
+              <a:t>Bilan</a:t>
+            </a:r>
+            <a:endParaRPr lang="fr-FR" dirty="0" smtClean="0"/>
           </a:p>
           <a:p>
             <a:pPr lvl="1"/>
@@ -8922,6 +9732,18 @@
   <p:clrMapOvr>
     <a:masterClrMapping/>
   </p:clrMapOvr>
+  <mc:AlternateContent xmlns:mc="http://schemas.openxmlformats.org/markup-compatibility/2006" xmlns:p14="http://schemas.microsoft.com/office/powerpoint/2010/main">
+    <mc:Choice Requires="p14">
+      <p:transition spd="slow" p14:dur="1250">
+        <p14:switch dir="r"/>
+      </p:transition>
+    </mc:Choice>
+    <mc:Fallback xmlns="">
+      <p:transition spd="slow">
+        <p:fade/>
+      </p:transition>
+    </mc:Fallback>
+  </mc:AlternateContent>
   <p:timing>
     <p:tnLst>
       <p:par>
@@ -9012,6 +9834,9 @@
               <a:rPr lang="fr-FR" dirty="0" smtClean="0"/>
               <a:t>Pas de trace des anciennes grilles générées</a:t>
             </a:r>
+          </a:p>
+          <a:p>
+            <a:pPr lvl="1"/>
             <a:endParaRPr lang="fr-FR" dirty="0"/>
           </a:p>
         </p:txBody>
@@ -9063,6 +9888,66 @@
           </a:p>
         </p:txBody>
       </p:sp>
+      <p:pic>
+        <p:nvPicPr>
+          <p:cNvPr id="7" name="Picture 7"/>
+          <p:cNvPicPr>
+            <a:picLocks/>
+          </p:cNvPicPr>
+          <p:nvPr/>
+        </p:nvPicPr>
+        <p:blipFill rotWithShape="1">
+          <a:blip r:embed="rId3"/>
+          <a:srcRect l="36592" t="4139" r="10148" b="56675"/>
+          <a:stretch/>
+        </p:blipFill>
+        <p:spPr bwMode="auto">
+          <a:xfrm rot="16200000">
+            <a:off x="7750607" y="2476659"/>
+            <a:ext cx="4312438" cy="4209032"/>
+          </a:xfrm>
+          <a:prstGeom prst="rect">
+            <a:avLst/>
+          </a:prstGeom>
+          <a:ln>
+            <a:noFill/>
+          </a:ln>
+          <a:extLst>
+            <a:ext uri="{53640926-AAD7-44D8-BBD7-CCE9431645EC}">
+              <a14:shadowObscured xmlns:a14="http://schemas.microsoft.com/office/drawing/2010/main"/>
+            </a:ext>
+          </a:extLst>
+        </p:spPr>
+      </p:pic>
+      <p:pic>
+        <p:nvPicPr>
+          <p:cNvPr id="6" name="Image 5"/>
+          <p:cNvPicPr>
+            <a:picLocks noChangeAspect="1"/>
+          </p:cNvPicPr>
+          <p:nvPr/>
+        </p:nvPicPr>
+        <p:blipFill rotWithShape="1">
+          <a:blip r:embed="rId4">
+            <a:extLst>
+              <a:ext uri="{28A0092B-C50C-407E-A947-70E740481C1C}">
+                <a14:useLocalDpi xmlns:a14="http://schemas.microsoft.com/office/drawing/2010/main" val="0"/>
+              </a:ext>
+            </a:extLst>
+          </a:blip>
+          <a:srcRect l="46459"/>
+          <a:stretch/>
+        </p:blipFill>
+        <p:spPr>
+          <a:xfrm>
+            <a:off x="10376927" y="3271642"/>
+            <a:ext cx="1634415" cy="3052666"/>
+          </a:xfrm>
+          <a:prstGeom prst="rect">
+            <a:avLst/>
+          </a:prstGeom>
+        </p:spPr>
+      </p:pic>
     </p:spTree>
     <p:extLst>
       <p:ext uri="{BB962C8B-B14F-4D97-AF65-F5344CB8AC3E}">
@@ -9073,6 +9958,18 @@
   <p:clrMapOvr>
     <a:masterClrMapping/>
   </p:clrMapOvr>
+  <mc:AlternateContent xmlns:mc="http://schemas.openxmlformats.org/markup-compatibility/2006" xmlns:p14="http://schemas.microsoft.com/office/powerpoint/2010/main">
+    <mc:Choice Requires="p14">
+      <p:transition spd="slow" p14:dur="1250">
+        <p14:switch dir="r"/>
+      </p:transition>
+    </mc:Choice>
+    <mc:Fallback xmlns="">
+      <p:transition spd="slow">
+        <p:fade/>
+      </p:transition>
+    </mc:Fallback>
+  </mc:AlternateContent>
   <p:timing>
     <p:tnLst>
       <p:par>
@@ -9142,16 +10039,50 @@
           <a:p>
             <a:r>
               <a:rPr lang="fr-FR" dirty="0" smtClean="0"/>
-              <a:t>Ce projet répond à la demande de notre principal client qui est Isabelle Clavel. Cependant, </a:t>
-            </a:r>
-            <a:r>
-              <a:rPr lang="fr-FR" dirty="0"/>
-              <a:t>cette application est à destination de tous les professeurs d’anglais de l’IUT</a:t>
+              <a:t>Ce projet répond à la demande de notre principal </a:t>
+            </a:r>
+            <a:r>
+              <a:rPr lang="fr-FR" b="1" dirty="0" smtClean="0"/>
+              <a:t>client</a:t>
+            </a:r>
+            <a:r>
+              <a:rPr lang="fr-FR" dirty="0" smtClean="0"/>
+              <a:t> qui est </a:t>
+            </a:r>
+            <a:r>
+              <a:rPr lang="fr-FR" b="1" dirty="0" smtClean="0"/>
+              <a:t>Isabelle Clavel</a:t>
             </a:r>
             <a:r>
               <a:rPr lang="fr-FR" dirty="0" smtClean="0"/>
               <a:t>.</a:t>
             </a:r>
+          </a:p>
+          <a:p>
+            <a:endParaRPr lang="fr-FR" dirty="0" smtClean="0"/>
+          </a:p>
+          <a:p>
+            <a:r>
+              <a:rPr lang="fr-FR" dirty="0" smtClean="0"/>
+              <a:t>Application à destination </a:t>
+            </a:r>
+            <a:r>
+              <a:rPr lang="fr-FR" dirty="0"/>
+              <a:t>de tous les </a:t>
+            </a:r>
+            <a:r>
+              <a:rPr lang="fr-FR" b="1" dirty="0"/>
+              <a:t>professeurs</a:t>
+            </a:r>
+            <a:r>
+              <a:rPr lang="fr-FR" dirty="0"/>
+              <a:t> d’anglais de l’IUT</a:t>
+            </a:r>
+            <a:r>
+              <a:rPr lang="fr-FR" dirty="0" smtClean="0"/>
+              <a:t>.</a:t>
+            </a:r>
+            <a:endParaRPr lang="fr-FR" dirty="0"/>
           </a:p>
           <a:p>
             <a:pPr marL="0" indent="0">
@@ -9161,19 +10092,6 @@
           </a:p>
           <a:p>
             <a:r>
-              <a:rPr lang="fr-FR" dirty="0" smtClean="0"/>
-              <a:t>Le but étant de faciliter la création d’une activité composant leur travail.</a:t>
-            </a:r>
-            <a:endParaRPr lang="fr-FR" dirty="0"/>
-          </a:p>
-          <a:p>
-            <a:pPr marL="0" indent="0">
-              <a:buNone/>
-            </a:pPr>
-            <a:endParaRPr lang="fr-FR" dirty="0"/>
-          </a:p>
-          <a:p>
-            <a:r>
               <a:rPr lang="fr-FR" dirty="0"/>
               <a:t>Le sujet de notre PTUT </a:t>
             </a:r>
@@ -9190,8 +10108,12 @@
               <a:t>rapide, </a:t>
             </a:r>
             <a:r>
+              <a:rPr lang="fr-FR" b="1" dirty="0"/>
+              <a:t>simple</a:t>
+            </a:r>
+            <a:r>
               <a:rPr lang="fr-FR" dirty="0"/>
-              <a:t>simple </a:t>
+              <a:t> </a:t>
             </a:r>
             <a:r>
               <a:rPr lang="fr-FR" dirty="0" smtClean="0"/>
@@ -9267,6 +10189,18 @@
   <p:clrMapOvr>
     <a:masterClrMapping/>
   </p:clrMapOvr>
+  <mc:AlternateContent xmlns:mc="http://schemas.openxmlformats.org/markup-compatibility/2006" xmlns:p14="http://schemas.microsoft.com/office/powerpoint/2010/main">
+    <mc:Choice Requires="p14">
+      <p:transition spd="slow" p14:dur="1250">
+        <p14:switch dir="r"/>
+      </p:transition>
+    </mc:Choice>
+    <mc:Fallback xmlns="">
+      <p:transition spd="slow">
+        <p:fade/>
+      </p:transition>
+    </mc:Fallback>
+  </mc:AlternateContent>
   <p:timing>
     <p:tnLst>
       <p:par>
@@ -9667,6 +10601,18 @@
   <p:clrMapOvr>
     <a:masterClrMapping/>
   </p:clrMapOvr>
+  <mc:AlternateContent xmlns:mc="http://schemas.openxmlformats.org/markup-compatibility/2006" xmlns:p14="http://schemas.microsoft.com/office/powerpoint/2010/main">
+    <mc:Choice Requires="p14">
+      <p:transition spd="slow" p14:dur="1250">
+        <p14:switch dir="r"/>
+      </p:transition>
+    </mc:Choice>
+    <mc:Fallback xmlns="">
+      <p:transition spd="slow">
+        <p:fade/>
+      </p:transition>
+    </mc:Fallback>
+  </mc:AlternateContent>
   <p:timing>
     <p:tnLst>
       <p:par>
@@ -9912,6 +10858,18 @@
   <p:clrMapOvr>
     <a:masterClrMapping/>
   </p:clrMapOvr>
+  <mc:AlternateContent xmlns:mc="http://schemas.openxmlformats.org/markup-compatibility/2006" xmlns:p14="http://schemas.microsoft.com/office/powerpoint/2010/main">
+    <mc:Choice Requires="p14">
+      <p:transition spd="slow" p14:dur="1250">
+        <p14:switch dir="r"/>
+      </p:transition>
+    </mc:Choice>
+    <mc:Fallback xmlns="">
+      <p:transition spd="slow">
+        <p:fade/>
+      </p:transition>
+    </mc:Fallback>
+  </mc:AlternateContent>
   <p:timing>
     <p:tnLst>
       <p:par>
@@ -9956,7 +10914,7 @@
           <a:p>
             <a:r>
               <a:rPr lang="fr-FR" dirty="0" smtClean="0"/>
-              <a:t>Prévision des futurs sprints </a:t>
+              <a:t>Planning prévisionnel</a:t>
             </a:r>
             <a:endParaRPr lang="fr-FR" dirty="0"/>
           </a:p>
@@ -9964,9 +10922,9 @@
       </p:sp>
       <p:pic>
         <p:nvPicPr>
-          <p:cNvPr id="6" name="Espace réservé du contenu 5"/>
+          <p:cNvPr id="4" name="Espace réservé du contenu 3"/>
           <p:cNvPicPr>
-            <a:picLocks noGrp="1" noChangeAspect="1"/>
+            <a:picLocks noGrp="1"/>
           </p:cNvPicPr>
           <p:nvPr>
             <p:ph idx="1"/>
@@ -9974,237 +10932,135 @@
         </p:nvPicPr>
         <p:blipFill rotWithShape="1">
           <a:blip r:embed="rId2"/>
-          <a:srcRect l="23714" t="37395" r="56311" b="12618"/>
+          <a:srcRect l="78730" t="37596" r="747" b="29564"/>
           <a:stretch/>
         </p:blipFill>
+        <p:spPr bwMode="auto">
+          <a:xfrm>
+            <a:off x="2076116" y="2644856"/>
+            <a:ext cx="7757080" cy="3490952"/>
+          </a:xfrm>
+          <a:prstGeom prst="rect">
+            <a:avLst/>
+          </a:prstGeom>
+          <a:ln>
+            <a:noFill/>
+          </a:ln>
+          <a:extLst>
+            <a:ext uri="{53640926-AAD7-44D8-BBD7-CCE9431645EC}">
+              <a14:shadowObscured xmlns:a14="http://schemas.microsoft.com/office/drawing/2010/main"/>
+            </a:ext>
+          </a:extLst>
+        </p:spPr>
+      </p:pic>
+      <p:sp>
+        <p:nvSpPr>
+          <p:cNvPr id="5" name="Titre 1"/>
+          <p:cNvSpPr txBox="1">
+            <a:spLocks/>
+          </p:cNvSpPr>
+          <p:nvPr/>
+        </p:nvSpPr>
         <p:spPr>
           <a:xfrm>
-            <a:off x="2589212" y="2017172"/>
-            <a:ext cx="2925909" cy="4118636"/>
+            <a:off x="2592925" y="1905000"/>
+            <a:ext cx="8911687" cy="1280890"/>
           </a:xfrm>
           <a:prstGeom prst="rect">
             <a:avLst/>
           </a:prstGeom>
         </p:spPr>
-      </p:pic>
-      <p:sp>
-        <p:nvSpPr>
-          <p:cNvPr id="7" name="ZoneTexte 6"/>
-          <p:cNvSpPr txBox="1"/>
-          <p:nvPr/>
-        </p:nvSpPr>
-        <p:spPr>
-          <a:xfrm>
-            <a:off x="5840325" y="2528211"/>
-            <a:ext cx="3110669" cy="923330"/>
-          </a:xfrm>
-          <a:prstGeom prst="rect">
-            <a:avLst/>
-          </a:prstGeom>
-          <a:noFill/>
-        </p:spPr>
-        <p:txBody>
-          <a:bodyPr wrap="square" rtlCol="0">
-            <a:spAutoFit/>
+        <p:txBody>
+          <a:bodyPr vert="horz" lIns="91440" tIns="45720" rIns="91440" bIns="45720" rtlCol="0" anchor="t">
+            <a:normAutofit/>
           </a:bodyPr>
-          <a:lstStyle/>
-          <a:p>
-            <a:pPr marL="285750" indent="-285750">
-              <a:buFont typeface="Arial" panose="020B0604020202020204" pitchFamily="34" charset="0"/>
-              <a:buChar char="•"/>
-            </a:pPr>
+          <a:lstStyle>
+            <a:lvl1pPr algn="l" defTabSz="457200" rtl="0" eaLnBrk="1" latinLnBrk="0" hangingPunct="1">
+              <a:spcBef>
+                <a:spcPct val="0"/>
+              </a:spcBef>
+              <a:buNone/>
+              <a:defRPr sz="3600" kern="1200">
+                <a:solidFill>
+                  <a:schemeClr val="tx1">
+                    <a:lumMod val="85000"/>
+                    <a:lumOff val="15000"/>
+                  </a:schemeClr>
+                </a:solidFill>
+                <a:latin typeface="+mj-lt"/>
+                <a:ea typeface="+mj-ea"/>
+                <a:cs typeface="+mj-cs"/>
+              </a:defRPr>
+            </a:lvl1pPr>
+            <a:lvl2pPr eaLnBrk="1" hangingPunct="1">
+              <a:defRPr>
+                <a:solidFill>
+                  <a:schemeClr val="tx2"/>
+                </a:solidFill>
+              </a:defRPr>
+            </a:lvl2pPr>
+            <a:lvl3pPr eaLnBrk="1" hangingPunct="1">
+              <a:defRPr>
+                <a:solidFill>
+                  <a:schemeClr val="tx2"/>
+                </a:solidFill>
+              </a:defRPr>
+            </a:lvl3pPr>
+            <a:lvl4pPr eaLnBrk="1" hangingPunct="1">
+              <a:defRPr>
+                <a:solidFill>
+                  <a:schemeClr val="tx2"/>
+                </a:solidFill>
+              </a:defRPr>
+            </a:lvl4pPr>
+            <a:lvl5pPr eaLnBrk="1" hangingPunct="1">
+              <a:defRPr>
+                <a:solidFill>
+                  <a:schemeClr val="tx2"/>
+                </a:solidFill>
+              </a:defRPr>
+            </a:lvl5pPr>
+            <a:lvl6pPr eaLnBrk="1" hangingPunct="1">
+              <a:defRPr>
+                <a:solidFill>
+                  <a:schemeClr val="tx2"/>
+                </a:solidFill>
+              </a:defRPr>
+            </a:lvl6pPr>
+            <a:lvl7pPr eaLnBrk="1" hangingPunct="1">
+              <a:defRPr>
+                <a:solidFill>
+                  <a:schemeClr val="tx2"/>
+                </a:solidFill>
+              </a:defRPr>
+            </a:lvl7pPr>
+            <a:lvl8pPr eaLnBrk="1" hangingPunct="1">
+              <a:defRPr>
+                <a:solidFill>
+                  <a:schemeClr val="tx2"/>
+                </a:solidFill>
+              </a:defRPr>
+            </a:lvl8pPr>
+            <a:lvl9pPr eaLnBrk="1" hangingPunct="1">
+              <a:defRPr>
+                <a:solidFill>
+                  <a:schemeClr val="tx2"/>
+                </a:solidFill>
+              </a:defRPr>
+            </a:lvl9pPr>
+          </a:lstStyle>
+          <a:p>
             <a:r>
               <a:rPr lang="fr-FR" dirty="0" smtClean="0"/>
-              <a:t>Semaine 49</a:t>
-            </a:r>
-          </a:p>
-          <a:p>
-            <a:pPr marL="285750" indent="-285750">
-              <a:buFont typeface="Arial" panose="020B0604020202020204" pitchFamily="34" charset="0"/>
-              <a:buChar char="•"/>
-            </a:pPr>
+              <a:t>Gantt</a:t>
+            </a:r>
             <a:endParaRPr lang="fr-FR" dirty="0"/>
           </a:p>
-          <a:p>
-            <a:endParaRPr lang="fr-FR" dirty="0" smtClean="0"/>
-          </a:p>
-        </p:txBody>
-      </p:sp>
-      <p:sp>
-        <p:nvSpPr>
-          <p:cNvPr id="9" name="ZoneTexte 8"/>
-          <p:cNvSpPr txBox="1"/>
-          <p:nvPr/>
-        </p:nvSpPr>
-        <p:spPr>
-          <a:xfrm>
-            <a:off x="5840326" y="3229502"/>
-            <a:ext cx="3110669" cy="923330"/>
-          </a:xfrm>
-          <a:prstGeom prst="rect">
-            <a:avLst/>
-          </a:prstGeom>
-          <a:noFill/>
-        </p:spPr>
-        <p:txBody>
-          <a:bodyPr wrap="square" rtlCol="0">
-            <a:spAutoFit/>
-          </a:bodyPr>
-          <a:lstStyle/>
-          <a:p>
-            <a:pPr marL="285750" indent="-285750">
-              <a:buFont typeface="Arial" panose="020B0604020202020204" pitchFamily="34" charset="0"/>
-              <a:buChar char="•"/>
-            </a:pPr>
-            <a:r>
-              <a:rPr lang="fr-FR" dirty="0" smtClean="0"/>
-              <a:t>Semaine 49</a:t>
-            </a:r>
-          </a:p>
-          <a:p>
-            <a:pPr marL="285750" indent="-285750">
-              <a:buFont typeface="Arial" panose="020B0604020202020204" pitchFamily="34" charset="0"/>
-              <a:buChar char="•"/>
-            </a:pPr>
-            <a:endParaRPr lang="fr-FR" dirty="0"/>
-          </a:p>
-          <a:p>
-            <a:endParaRPr lang="fr-FR" dirty="0" smtClean="0"/>
-          </a:p>
-        </p:txBody>
-      </p:sp>
-      <p:sp>
-        <p:nvSpPr>
-          <p:cNvPr id="10" name="ZoneTexte 9"/>
-          <p:cNvSpPr txBox="1"/>
-          <p:nvPr/>
-        </p:nvSpPr>
-        <p:spPr>
-          <a:xfrm>
-            <a:off x="5840326" y="3970442"/>
-            <a:ext cx="3110669" cy="923330"/>
-          </a:xfrm>
-          <a:prstGeom prst="rect">
-            <a:avLst/>
-          </a:prstGeom>
-          <a:noFill/>
-        </p:spPr>
-        <p:txBody>
-          <a:bodyPr wrap="square" rtlCol="0">
-            <a:spAutoFit/>
-          </a:bodyPr>
-          <a:lstStyle/>
-          <a:p>
-            <a:pPr marL="285750" indent="-285750">
-              <a:buFont typeface="Arial" panose="020B0604020202020204" pitchFamily="34" charset="0"/>
-              <a:buChar char="•"/>
-            </a:pPr>
-            <a:r>
-              <a:rPr lang="fr-FR" dirty="0" smtClean="0"/>
-              <a:t>Semaine 1</a:t>
-            </a:r>
-          </a:p>
-          <a:p>
-            <a:pPr marL="285750" indent="-285750">
-              <a:buFont typeface="Arial" panose="020B0604020202020204" pitchFamily="34" charset="0"/>
-              <a:buChar char="•"/>
-            </a:pPr>
-            <a:endParaRPr lang="fr-FR" dirty="0"/>
-          </a:p>
-          <a:p>
-            <a:endParaRPr lang="fr-FR" dirty="0" smtClean="0"/>
-          </a:p>
-        </p:txBody>
-      </p:sp>
-      <p:sp>
-        <p:nvSpPr>
-          <p:cNvPr id="11" name="ZoneTexte 10"/>
-          <p:cNvSpPr txBox="1"/>
-          <p:nvPr/>
-        </p:nvSpPr>
-        <p:spPr>
-          <a:xfrm>
-            <a:off x="5840324" y="4776043"/>
-            <a:ext cx="3110669" cy="923330"/>
-          </a:xfrm>
-          <a:prstGeom prst="rect">
-            <a:avLst/>
-          </a:prstGeom>
-          <a:noFill/>
-        </p:spPr>
-        <p:txBody>
-          <a:bodyPr wrap="square" rtlCol="0">
-            <a:spAutoFit/>
-          </a:bodyPr>
-          <a:lstStyle/>
-          <a:p>
-            <a:pPr marL="285750" indent="-285750">
-              <a:buFont typeface="Arial" panose="020B0604020202020204" pitchFamily="34" charset="0"/>
-              <a:buChar char="•"/>
-            </a:pPr>
-            <a:r>
-              <a:rPr lang="fr-FR" dirty="0" smtClean="0"/>
-              <a:t>Semaine 2</a:t>
-            </a:r>
-          </a:p>
-          <a:p>
-            <a:pPr marL="285750" indent="-285750">
-              <a:buFont typeface="Arial" panose="020B0604020202020204" pitchFamily="34" charset="0"/>
-              <a:buChar char="•"/>
-            </a:pPr>
-            <a:endParaRPr lang="fr-FR" dirty="0"/>
-          </a:p>
-          <a:p>
-            <a:endParaRPr lang="fr-FR" dirty="0" smtClean="0"/>
-          </a:p>
-        </p:txBody>
-      </p:sp>
-      <p:sp>
-        <p:nvSpPr>
-          <p:cNvPr id="12" name="ZoneTexte 11"/>
-          <p:cNvSpPr txBox="1"/>
-          <p:nvPr/>
-        </p:nvSpPr>
-        <p:spPr>
-          <a:xfrm>
-            <a:off x="5840326" y="5502940"/>
-            <a:ext cx="3110669" cy="923330"/>
-          </a:xfrm>
-          <a:prstGeom prst="rect">
-            <a:avLst/>
-          </a:prstGeom>
-          <a:noFill/>
-        </p:spPr>
-        <p:txBody>
-          <a:bodyPr wrap="square" rtlCol="0">
-            <a:spAutoFit/>
-          </a:bodyPr>
-          <a:lstStyle/>
-          <a:p>
-            <a:pPr marL="285750" indent="-285750">
-              <a:buFont typeface="Arial" panose="020B0604020202020204" pitchFamily="34" charset="0"/>
-              <a:buChar char="•"/>
-            </a:pPr>
-            <a:r>
-              <a:rPr lang="fr-FR" dirty="0" smtClean="0"/>
-              <a:t>Semaine 3</a:t>
-            </a:r>
-          </a:p>
-          <a:p>
-            <a:pPr marL="285750" indent="-285750">
-              <a:buFont typeface="Arial" panose="020B0604020202020204" pitchFamily="34" charset="0"/>
-              <a:buChar char="•"/>
-            </a:pPr>
-            <a:endParaRPr lang="fr-FR" dirty="0"/>
-          </a:p>
-          <a:p>
-            <a:endParaRPr lang="fr-FR" dirty="0" smtClean="0"/>
-          </a:p>
-        </p:txBody>
-      </p:sp>
-      <p:sp>
-        <p:nvSpPr>
-          <p:cNvPr id="13" name="Espace réservé du numéro de diapositive 12"/>
+        </p:txBody>
+      </p:sp>
+      <p:sp>
+        <p:nvSpPr>
+          <p:cNvPr id="6" name="Espace réservé du numéro de diapositive 5"/>
           <p:cNvSpPr>
             <a:spLocks noGrp="1"/>
           </p:cNvSpPr>
@@ -10252,13 +11108,25 @@
     </p:spTree>
     <p:extLst>
       <p:ext uri="{BB962C8B-B14F-4D97-AF65-F5344CB8AC3E}">
-        <p14:creationId xmlns:p14="http://schemas.microsoft.com/office/powerpoint/2010/main" val="3842124893"/>
+        <p14:creationId xmlns:p14="http://schemas.microsoft.com/office/powerpoint/2010/main" val="2186726395"/>
       </p:ext>
     </p:extLst>
   </p:cSld>
   <p:clrMapOvr>
     <a:masterClrMapping/>
   </p:clrMapOvr>
+  <mc:AlternateContent xmlns:mc="http://schemas.openxmlformats.org/markup-compatibility/2006" xmlns:p14="http://schemas.microsoft.com/office/powerpoint/2010/main">
+    <mc:Choice Requires="p14">
+      <p:transition spd="slow" p14:dur="1250">
+        <p14:switch dir="r"/>
+      </p:transition>
+    </mc:Choice>
+    <mc:Fallback xmlns="">
+      <p:transition spd="slow">
+        <p:fade/>
+      </p:transition>
+    </mc:Fallback>
+  </mc:AlternateContent>
   <p:timing>
     <p:tnLst>
       <p:par>
@@ -10303,7 +11171,7 @@
           <a:p>
             <a:r>
               <a:rPr lang="fr-FR" dirty="0" smtClean="0"/>
-              <a:t>Documentation</a:t>
+              <a:t>Prévision des sprints </a:t>
             </a:r>
             <a:endParaRPr lang="fr-FR" dirty="0"/>
           </a:p>
@@ -10311,7 +11179,7 @@
       </p:sp>
       <p:pic>
         <p:nvPicPr>
-          <p:cNvPr id="4" name="Espace réservé du contenu 3"/>
+          <p:cNvPr id="6" name="Espace réservé du contenu 5"/>
           <p:cNvPicPr>
             <a:picLocks noGrp="1" noChangeAspect="1"/>
           </p:cNvPicPr>
@@ -10321,13 +11189,13 @@
         </p:nvPicPr>
         <p:blipFill rotWithShape="1">
           <a:blip r:embed="rId2"/>
-          <a:srcRect l="45343" t="36944" r="34682" b="29807"/>
+          <a:srcRect l="23714" t="37395" r="56311" b="12618"/>
           <a:stretch/>
         </p:blipFill>
         <p:spPr>
           <a:xfrm>
-            <a:off x="2592925" y="2093719"/>
-            <a:ext cx="3913975" cy="3664677"/>
+            <a:off x="2589212" y="2017172"/>
+            <a:ext cx="2925909" cy="4118636"/>
           </a:xfrm>
           <a:prstGeom prst="rect">
             <a:avLst/>
@@ -10336,13 +11204,13 @@
       </p:pic>
       <p:sp>
         <p:nvSpPr>
-          <p:cNvPr id="5" name="ZoneTexte 4"/>
+          <p:cNvPr id="7" name="ZoneTexte 6"/>
           <p:cNvSpPr txBox="1"/>
           <p:nvPr/>
         </p:nvSpPr>
         <p:spPr>
           <a:xfrm>
-            <a:off x="6506899" y="2898358"/>
+            <a:off x="5840325" y="2528211"/>
             <a:ext cx="3110669" cy="923330"/>
           </a:xfrm>
           <a:prstGeom prst="rect">
@@ -10362,7 +11230,7 @@
             </a:pPr>
             <a:r>
               <a:rPr lang="fr-FR" dirty="0" smtClean="0"/>
-              <a:t>Semaine 50</a:t>
+              <a:t>Semaine 49</a:t>
             </a:r>
           </a:p>
           <a:p>
@@ -10379,13 +11247,13 @@
       </p:sp>
       <p:sp>
         <p:nvSpPr>
-          <p:cNvPr id="6" name="ZoneTexte 5"/>
+          <p:cNvPr id="9" name="ZoneTexte 8"/>
           <p:cNvSpPr txBox="1"/>
           <p:nvPr/>
         </p:nvSpPr>
         <p:spPr>
           <a:xfrm>
-            <a:off x="6506899" y="3880366"/>
+            <a:off x="5840326" y="3229502"/>
             <a:ext cx="3110669" cy="923330"/>
           </a:xfrm>
           <a:prstGeom prst="rect">
@@ -10405,7 +11273,7 @@
             </a:pPr>
             <a:r>
               <a:rPr lang="fr-FR" dirty="0" smtClean="0"/>
-              <a:t>Intégration continu</a:t>
+              <a:t>Semaine 49</a:t>
             </a:r>
           </a:p>
           <a:p>
@@ -10422,13 +11290,13 @@
       </p:sp>
       <p:sp>
         <p:nvSpPr>
-          <p:cNvPr id="7" name="ZoneTexte 6"/>
+          <p:cNvPr id="10" name="ZoneTexte 9"/>
           <p:cNvSpPr txBox="1"/>
           <p:nvPr/>
         </p:nvSpPr>
         <p:spPr>
           <a:xfrm>
-            <a:off x="6506899" y="4862374"/>
+            <a:off x="5840326" y="3970442"/>
             <a:ext cx="3110669" cy="923330"/>
           </a:xfrm>
           <a:prstGeom prst="rect">
@@ -10448,7 +11316,7 @@
             </a:pPr>
             <a:r>
               <a:rPr lang="fr-FR" dirty="0" smtClean="0"/>
-              <a:t>Intégration continu</a:t>
+              <a:t>Semaine 1</a:t>
             </a:r>
           </a:p>
           <a:p>
@@ -10465,7 +11333,93 @@
       </p:sp>
       <p:sp>
         <p:nvSpPr>
-          <p:cNvPr id="8" name="Espace réservé du numéro de diapositive 7"/>
+          <p:cNvPr id="11" name="ZoneTexte 10"/>
+          <p:cNvSpPr txBox="1"/>
+          <p:nvPr/>
+        </p:nvSpPr>
+        <p:spPr>
+          <a:xfrm>
+            <a:off x="5840324" y="4776043"/>
+            <a:ext cx="3110669" cy="923330"/>
+          </a:xfrm>
+          <a:prstGeom prst="rect">
+            <a:avLst/>
+          </a:prstGeom>
+          <a:noFill/>
+        </p:spPr>
+        <p:txBody>
+          <a:bodyPr wrap="square" rtlCol="0">
+            <a:spAutoFit/>
+          </a:bodyPr>
+          <a:lstStyle/>
+          <a:p>
+            <a:pPr marL="285750" indent="-285750">
+              <a:buFont typeface="Arial" panose="020B0604020202020204" pitchFamily="34" charset="0"/>
+              <a:buChar char="•"/>
+            </a:pPr>
+            <a:r>
+              <a:rPr lang="fr-FR" dirty="0" smtClean="0"/>
+              <a:t>Semaine 2</a:t>
+            </a:r>
+          </a:p>
+          <a:p>
+            <a:pPr marL="285750" indent="-285750">
+              <a:buFont typeface="Arial" panose="020B0604020202020204" pitchFamily="34" charset="0"/>
+              <a:buChar char="•"/>
+            </a:pPr>
+            <a:endParaRPr lang="fr-FR" dirty="0"/>
+          </a:p>
+          <a:p>
+            <a:endParaRPr lang="fr-FR" dirty="0" smtClean="0"/>
+          </a:p>
+        </p:txBody>
+      </p:sp>
+      <p:sp>
+        <p:nvSpPr>
+          <p:cNvPr id="12" name="ZoneTexte 11"/>
+          <p:cNvSpPr txBox="1"/>
+          <p:nvPr/>
+        </p:nvSpPr>
+        <p:spPr>
+          <a:xfrm>
+            <a:off x="5840326" y="5502940"/>
+            <a:ext cx="3110669" cy="923330"/>
+          </a:xfrm>
+          <a:prstGeom prst="rect">
+            <a:avLst/>
+          </a:prstGeom>
+          <a:noFill/>
+        </p:spPr>
+        <p:txBody>
+          <a:bodyPr wrap="square" rtlCol="0">
+            <a:spAutoFit/>
+          </a:bodyPr>
+          <a:lstStyle/>
+          <a:p>
+            <a:pPr marL="285750" indent="-285750">
+              <a:buFont typeface="Arial" panose="020B0604020202020204" pitchFamily="34" charset="0"/>
+              <a:buChar char="•"/>
+            </a:pPr>
+            <a:r>
+              <a:rPr lang="fr-FR" dirty="0" smtClean="0"/>
+              <a:t>Semaine 3</a:t>
+            </a:r>
+          </a:p>
+          <a:p>
+            <a:pPr marL="285750" indent="-285750">
+              <a:buFont typeface="Arial" panose="020B0604020202020204" pitchFamily="34" charset="0"/>
+              <a:buChar char="•"/>
+            </a:pPr>
+            <a:endParaRPr lang="fr-FR" dirty="0"/>
+          </a:p>
+          <a:p>
+            <a:endParaRPr lang="fr-FR" dirty="0" smtClean="0"/>
+          </a:p>
+        </p:txBody>
+      </p:sp>
+      <p:sp>
+        <p:nvSpPr>
+          <p:cNvPr id="13" name="Espace réservé du numéro de diapositive 12"/>
           <p:cNvSpPr>
             <a:spLocks noGrp="1"/>
           </p:cNvSpPr>
@@ -10513,13 +11467,25 @@
     </p:spTree>
     <p:extLst>
       <p:ext uri="{BB962C8B-B14F-4D97-AF65-F5344CB8AC3E}">
-        <p14:creationId xmlns:p14="http://schemas.microsoft.com/office/powerpoint/2010/main" val="881779115"/>
+        <p14:creationId xmlns:p14="http://schemas.microsoft.com/office/powerpoint/2010/main" val="3842124893"/>
       </p:ext>
     </p:extLst>
   </p:cSld>
   <p:clrMapOvr>
     <a:masterClrMapping/>
   </p:clrMapOvr>
+  <mc:AlternateContent xmlns:mc="http://schemas.openxmlformats.org/markup-compatibility/2006" xmlns:p14="http://schemas.microsoft.com/office/powerpoint/2010/main">
+    <mc:Choice Requires="p14">
+      <p:transition spd="slow" p14:dur="1250">
+        <p14:switch dir="r"/>
+      </p:transition>
+    </mc:Choice>
+    <mc:Fallback xmlns="">
+      <p:transition spd="slow">
+        <p:fade/>
+      </p:transition>
+    </mc:Fallback>
+  </mc:AlternateContent>
   <p:timing>
     <p:tnLst>
       <p:par>
